--- a/Seccion 3 Distribución multivariante/Diapositivas/3.2 Curvas de nivel o contornos.pptx
+++ b/Seccion 3 Distribución multivariante/Diapositivas/3.2 Curvas de nivel o contornos.pptx
@@ -11,11 +11,12 @@
     <p:sldId id="282" r:id="rId5"/>
     <p:sldId id="275" r:id="rId6"/>
     <p:sldId id="281" r:id="rId7"/>
-    <p:sldId id="272" r:id="rId8"/>
-    <p:sldId id="283" r:id="rId9"/>
-    <p:sldId id="284" r:id="rId10"/>
-    <p:sldId id="285" r:id="rId11"/>
-    <p:sldId id="286" r:id="rId12"/>
+    <p:sldId id="287" r:id="rId8"/>
+    <p:sldId id="272" r:id="rId9"/>
+    <p:sldId id="283" r:id="rId10"/>
+    <p:sldId id="284" r:id="rId11"/>
+    <p:sldId id="285" r:id="rId12"/>
+    <p:sldId id="286" r:id="rId13"/>
   </p:sldIdLst>
   <p:sldSz cx="12192000" cy="6858000"/>
   <p:notesSz cx="6858000" cy="9144000"/>
@@ -270,7 +271,7 @@
             <a:fld id="{B61BEF0D-F0BB-DE4B-95CE-6DB70DBA9567}" type="datetimeFigureOut">
               <a:rPr lang="en-US" smtClean="0"/>
               <a:pPr/>
-              <a:t>12/19/2019</a:t>
+              <a:t>12/20/2019</a:t>
             </a:fld>
             <a:endParaRPr lang="en-US" dirty="0"/>
           </a:p>
@@ -469,7 +470,7 @@
           <a:p>
             <a:fld id="{55C6B4A9-1611-4792-9094-5F34BCA07E0B}" type="datetimeFigureOut">
               <a:rPr lang="en-US" smtClean="0"/>
-              <a:t>12/19/2019</a:t>
+              <a:t>12/20/2019</a:t>
             </a:fld>
             <a:endParaRPr lang="en-US" dirty="0"/>
           </a:p>
@@ -678,7 +679,7 @@
             <a:fld id="{B61BEF0D-F0BB-DE4B-95CE-6DB70DBA9567}" type="datetimeFigureOut">
               <a:rPr lang="en-US" smtClean="0"/>
               <a:pPr/>
-              <a:t>12/19/2019</a:t>
+              <a:t>12/20/2019</a:t>
             </a:fld>
             <a:endParaRPr lang="en-US" dirty="0"/>
           </a:p>
@@ -1498,7 +1499,7 @@
             <a:fld id="{B61BEF0D-F0BB-DE4B-95CE-6DB70DBA9567}" type="datetimeFigureOut">
               <a:rPr lang="en-US" smtClean="0"/>
               <a:pPr/>
-              <a:t>12/19/2019</a:t>
+              <a:t>12/20/2019</a:t>
             </a:fld>
             <a:endParaRPr lang="en-US" dirty="0"/>
           </a:p>
@@ -1670,7 +1671,7 @@
             <a:fld id="{B61BEF0D-F0BB-DE4B-95CE-6DB70DBA9567}" type="datetimeFigureOut">
               <a:rPr lang="en-US" smtClean="0"/>
               <a:pPr/>
-              <a:t>12/19/2019</a:t>
+              <a:t>12/20/2019</a:t>
             </a:fld>
             <a:endParaRPr lang="en-US" dirty="0"/>
           </a:p>
@@ -1919,7 +1920,7 @@
             <a:fld id="{B61BEF0D-F0BB-DE4B-95CE-6DB70DBA9567}" type="datetimeFigureOut">
               <a:rPr lang="en-US" smtClean="0"/>
               <a:pPr/>
-              <a:t>12/19/2019</a:t>
+              <a:t>12/20/2019</a:t>
             </a:fld>
             <a:endParaRPr lang="en-US" dirty="0"/>
           </a:p>
@@ -2152,7 +2153,7 @@
           <a:p>
             <a:fld id="{EB712588-04B1-427B-82EE-E8DB90309F08}" type="datetimeFigureOut">
               <a:rPr lang="en-US" smtClean="0"/>
-              <a:t>12/19/2019</a:t>
+              <a:t>12/20/2019</a:t>
             </a:fld>
             <a:endParaRPr lang="en-US" dirty="0"/>
           </a:p>
@@ -2527,7 +2528,7 @@
             <a:fld id="{B61BEF0D-F0BB-DE4B-95CE-6DB70DBA9567}" type="datetimeFigureOut">
               <a:rPr lang="en-US" smtClean="0"/>
               <a:pPr/>
-              <a:t>12/19/2019</a:t>
+              <a:t>12/20/2019</a:t>
             </a:fld>
             <a:endParaRPr lang="en-US" dirty="0"/>
           </a:p>
@@ -2652,7 +2653,7 @@
             <a:fld id="{B61BEF0D-F0BB-DE4B-95CE-6DB70DBA9567}" type="datetimeFigureOut">
               <a:rPr lang="en-US" smtClean="0"/>
               <a:pPr/>
-              <a:t>12/19/2019</a:t>
+              <a:t>12/20/2019</a:t>
             </a:fld>
             <a:endParaRPr lang="en-US" dirty="0"/>
           </a:p>
@@ -2749,7 +2750,7 @@
             <a:fld id="{B61BEF0D-F0BB-DE4B-95CE-6DB70DBA9567}" type="datetimeFigureOut">
               <a:rPr lang="en-US" smtClean="0"/>
               <a:pPr/>
-              <a:t>12/19/2019</a:t>
+              <a:t>12/20/2019</a:t>
             </a:fld>
             <a:endParaRPr lang="en-US" dirty="0"/>
           </a:p>
@@ -3005,7 +3006,7 @@
           <a:p>
             <a:fld id="{42A54C80-263E-416B-A8E0-580EDEADCBDC}" type="datetimeFigureOut">
               <a:rPr lang="en-US" smtClean="0"/>
-              <a:t>12/19/2019</a:t>
+              <a:t>12/20/2019</a:t>
             </a:fld>
             <a:endParaRPr lang="en-US" dirty="0"/>
           </a:p>
@@ -3192,7 +3193,7 @@
             <a:fld id="{B61BEF0D-F0BB-DE4B-95CE-6DB70DBA9567}" type="datetimeFigureOut">
               <a:rPr lang="en-US" smtClean="0"/>
               <a:pPr/>
-              <a:t>12/19/2019</a:t>
+              <a:t>12/20/2019</a:t>
             </a:fld>
             <a:endParaRPr lang="en-US" dirty="0"/>
           </a:p>
@@ -3512,7 +3513,7 @@
             <a:fld id="{B61BEF0D-F0BB-DE4B-95CE-6DB70DBA9567}" type="datetimeFigureOut">
               <a:rPr lang="en-US" smtClean="0"/>
               <a:pPr/>
-              <a:t>12/19/2019</a:t>
+              <a:t>12/20/2019</a:t>
             </a:fld>
             <a:endParaRPr lang="en-US" dirty="0"/>
           </a:p>
@@ -3722,7 +3723,7 @@
             <a:fld id="{B61BEF0D-F0BB-DE4B-95CE-6DB70DBA9567}" type="datetimeFigureOut">
               <a:rPr lang="en-US" smtClean="0"/>
               <a:pPr/>
-              <a:t>12/19/2019</a:t>
+              <a:t>12/20/2019</a:t>
             </a:fld>
             <a:endParaRPr lang="en-US" dirty="0"/>
           </a:p>
@@ -4038,7 +4039,7 @@
             <a:fld id="{B61BEF0D-F0BB-DE4B-95CE-6DB70DBA9567}" type="datetimeFigureOut">
               <a:rPr lang="en-US" smtClean="0"/>
               <a:pPr/>
-              <a:t>12/19/2019</a:t>
+              <a:t>12/20/2019</a:t>
             </a:fld>
             <a:endParaRPr lang="en-US" dirty="0"/>
           </a:p>
@@ -4373,7 +4374,7 @@
             <a:fld id="{B61BEF0D-F0BB-DE4B-95CE-6DB70DBA9567}" type="datetimeFigureOut">
               <a:rPr lang="en-US" smtClean="0"/>
               <a:pPr/>
-              <a:t>12/19/2019</a:t>
+              <a:t>12/20/2019</a:t>
             </a:fld>
             <a:endParaRPr lang="en-US" dirty="0"/>
           </a:p>
@@ -4689,7 +4690,7 @@
             <a:fld id="{B61BEF0D-F0BB-DE4B-95CE-6DB70DBA9567}" type="datetimeFigureOut">
               <a:rPr lang="en-US" smtClean="0"/>
               <a:pPr/>
-              <a:t>12/19/2019</a:t>
+              <a:t>12/20/2019</a:t>
             </a:fld>
             <a:endParaRPr lang="en-US" dirty="0"/>
           </a:p>
@@ -5084,7 +5085,7 @@
             <a:fld id="{B61BEF0D-F0BB-DE4B-95CE-6DB70DBA9567}" type="datetimeFigureOut">
               <a:rPr lang="en-US" smtClean="0"/>
               <a:pPr/>
-              <a:t>12/19/2019</a:t>
+              <a:t>12/20/2019</a:t>
             </a:fld>
             <a:endParaRPr lang="en-US" dirty="0"/>
           </a:p>
@@ -5255,7 +5256,7 @@
           <a:p>
             <a:fld id="{55C6B4A9-1611-4792-9094-5F34BCA07E0B}" type="datetimeFigureOut">
               <a:rPr lang="en-US" smtClean="0"/>
-              <a:t>12/19/2019</a:t>
+              <a:t>12/20/2019</a:t>
             </a:fld>
             <a:endParaRPr lang="en-US" dirty="0"/>
           </a:p>
@@ -5436,7 +5437,7 @@
             <a:fld id="{B61BEF0D-F0BB-DE4B-95CE-6DB70DBA9567}" type="datetimeFigureOut">
               <a:rPr lang="en-US" smtClean="0"/>
               <a:pPr/>
-              <a:t>12/19/2019</a:t>
+              <a:t>12/20/2019</a:t>
             </a:fld>
             <a:endParaRPr lang="en-US" dirty="0"/>
           </a:p>
@@ -5701,7 +5702,7 @@
             <a:fld id="{B61BEF0D-F0BB-DE4B-95CE-6DB70DBA9567}" type="datetimeFigureOut">
               <a:rPr lang="en-US" smtClean="0"/>
               <a:pPr/>
-              <a:t>12/19/2019</a:t>
+              <a:t>12/20/2019</a:t>
             </a:fld>
             <a:endParaRPr lang="en-US" dirty="0"/>
           </a:p>
@@ -5967,7 +5968,7 @@
           <a:p>
             <a:fld id="{EB712588-04B1-427B-82EE-E8DB90309F08}" type="datetimeFigureOut">
               <a:rPr lang="en-US" smtClean="0"/>
-              <a:t>12/19/2019</a:t>
+              <a:t>12/20/2019</a:t>
             </a:fld>
             <a:endParaRPr lang="en-US" dirty="0"/>
           </a:p>
@@ -6380,7 +6381,7 @@
             <a:fld id="{B61BEF0D-F0BB-DE4B-95CE-6DB70DBA9567}" type="datetimeFigureOut">
               <a:rPr lang="en-US" smtClean="0"/>
               <a:pPr/>
-              <a:t>12/19/2019</a:t>
+              <a:t>12/20/2019</a:t>
             </a:fld>
             <a:endParaRPr lang="en-US" dirty="0"/>
           </a:p>
@@ -6523,7 +6524,7 @@
             <a:fld id="{B61BEF0D-F0BB-DE4B-95CE-6DB70DBA9567}" type="datetimeFigureOut">
               <a:rPr lang="en-US" smtClean="0"/>
               <a:pPr/>
-              <a:t>12/19/2019</a:t>
+              <a:t>12/20/2019</a:t>
             </a:fld>
             <a:endParaRPr lang="en-US" dirty="0"/>
           </a:p>
@@ -6638,7 +6639,7 @@
             <a:fld id="{B61BEF0D-F0BB-DE4B-95CE-6DB70DBA9567}" type="datetimeFigureOut">
               <a:rPr lang="en-US" smtClean="0"/>
               <a:pPr/>
-              <a:t>12/19/2019</a:t>
+              <a:t>12/20/2019</a:t>
             </a:fld>
             <a:endParaRPr lang="en-US" dirty="0"/>
           </a:p>
@@ -6950,7 +6951,7 @@
           <a:p>
             <a:fld id="{42A54C80-263E-416B-A8E0-580EDEADCBDC}" type="datetimeFigureOut">
               <a:rPr lang="en-US" smtClean="0"/>
-              <a:t>12/19/2019</a:t>
+              <a:t>12/20/2019</a:t>
             </a:fld>
             <a:endParaRPr lang="en-US" dirty="0"/>
           </a:p>
@@ -7239,7 +7240,7 @@
             <a:fld id="{B61BEF0D-F0BB-DE4B-95CE-6DB70DBA9567}" type="datetimeFigureOut">
               <a:rPr lang="en-US" smtClean="0"/>
               <a:pPr/>
-              <a:t>12/19/2019</a:t>
+              <a:t>12/20/2019</a:t>
             </a:fld>
             <a:endParaRPr lang="en-US" dirty="0"/>
           </a:p>
@@ -7485,7 +7486,7 @@
             <a:fld id="{B61BEF0D-F0BB-DE4B-95CE-6DB70DBA9567}" type="datetimeFigureOut">
               <a:rPr lang="en-US" smtClean="0"/>
               <a:pPr/>
-              <a:t>12/19/2019</a:t>
+              <a:t>12/20/2019</a:t>
             </a:fld>
             <a:endParaRPr lang="en-US" dirty="0"/>
           </a:p>
@@ -8573,7 +8574,7 @@
             <a:fld id="{B61BEF0D-F0BB-DE4B-95CE-6DB70DBA9567}" type="datetimeFigureOut">
               <a:rPr lang="en-US" smtClean="0"/>
               <a:pPr/>
-              <a:t>12/19/2019</a:t>
+              <a:t>12/20/2019</a:t>
             </a:fld>
             <a:endParaRPr lang="en-US" dirty="0"/>
           </a:p>
@@ -9713,6 +9714,408 @@
       </p:sp>
       <p:pic>
         <p:nvPicPr>
+          <p:cNvPr id="3" name="Imagen 2">
+            <a:extLst>
+              <a:ext uri="{FF2B5EF4-FFF2-40B4-BE49-F238E27FC236}">
+                <a16:creationId xmlns:a16="http://schemas.microsoft.com/office/drawing/2014/main" id="{77789714-3800-4B43-9204-DB0AF3B0A884}"/>
+              </a:ext>
+            </a:extLst>
+          </p:cNvPr>
+          <p:cNvPicPr>
+            <a:picLocks noChangeAspect="1"/>
+          </p:cNvPicPr>
+          <p:nvPr/>
+        </p:nvPicPr>
+        <p:blipFill>
+          <a:blip r:embed="rId2"/>
+          <a:stretch>
+            <a:fillRect/>
+          </a:stretch>
+        </p:blipFill>
+        <p:spPr>
+          <a:xfrm>
+            <a:off x="2161861" y="2258093"/>
+            <a:ext cx="5790678" cy="4094341"/>
+          </a:xfrm>
+          <a:prstGeom prst="rect">
+            <a:avLst/>
+          </a:prstGeom>
+        </p:spPr>
+      </p:pic>
+    </p:spTree>
+    <p:extLst>
+      <p:ext uri="{BB962C8B-B14F-4D97-AF65-F5344CB8AC3E}">
+        <p14:creationId xmlns:p14="http://schemas.microsoft.com/office/powerpoint/2010/main" val="637509184"/>
+      </p:ext>
+    </p:extLst>
+  </p:cSld>
+  <p:clrMapOvr>
+    <a:masterClrMapping/>
+  </p:clrMapOvr>
+</p:sld>
+</file>
+
+<file path=ppt/slides/slide11.xml><?xml version="1.0" encoding="utf-8"?>
+<p:sld xmlns:a="http://schemas.openxmlformats.org/drawingml/2006/main" xmlns:r="http://schemas.openxmlformats.org/officeDocument/2006/relationships" xmlns:p="http://schemas.openxmlformats.org/presentationml/2006/main">
+  <p:cSld>
+    <p:spTree>
+      <p:nvGrpSpPr>
+        <p:cNvPr id="1" name=""/>
+        <p:cNvGrpSpPr/>
+        <p:nvPr/>
+      </p:nvGrpSpPr>
+      <p:grpSpPr>
+        <a:xfrm>
+          <a:off x="0" y="0"/>
+          <a:ext cx="0" cy="0"/>
+          <a:chOff x="0" y="0"/>
+          <a:chExt cx="0" cy="0"/>
+        </a:xfrm>
+      </p:grpSpPr>
+      <p:sp>
+        <p:nvSpPr>
+          <p:cNvPr id="5" name="Marcador de contenido 2"/>
+          <p:cNvSpPr txBox="1">
+            <a:spLocks/>
+          </p:cNvSpPr>
+          <p:nvPr/>
+        </p:nvSpPr>
+        <p:spPr>
+          <a:xfrm>
+            <a:off x="496381" y="1649276"/>
+            <a:ext cx="9121638" cy="4703158"/>
+          </a:xfrm>
+          <a:prstGeom prst="rect">
+            <a:avLst/>
+          </a:prstGeom>
+        </p:spPr>
+        <p:txBody>
+          <a:bodyPr vert="horz" lIns="91440" tIns="45720" rIns="91440" bIns="45720" rtlCol="0">
+            <a:normAutofit/>
+          </a:bodyPr>
+          <a:lstStyle>
+            <a:lvl1pPr marL="342900" indent="-342900" algn="l" defTabSz="457200" rtl="0" eaLnBrk="1" latinLnBrk="0" hangingPunct="1">
+              <a:spcBef>
+                <a:spcPts val="1000"/>
+              </a:spcBef>
+              <a:spcAft>
+                <a:spcPts val="0"/>
+              </a:spcAft>
+              <a:buClr>
+                <a:schemeClr val="accent1"/>
+              </a:buClr>
+              <a:buSzPct val="80000"/>
+              <a:buFont typeface="Wingdings 3" charset="2"/>
+              <a:buChar char=""/>
+              <a:defRPr sz="1800" kern="1200">
+                <a:solidFill>
+                  <a:schemeClr val="tx1">
+                    <a:lumMod val="75000"/>
+                    <a:lumOff val="25000"/>
+                  </a:schemeClr>
+                </a:solidFill>
+                <a:latin typeface="+mn-lt"/>
+                <a:ea typeface="+mn-ea"/>
+                <a:cs typeface="+mn-cs"/>
+              </a:defRPr>
+            </a:lvl1pPr>
+            <a:lvl2pPr marL="742950" indent="-285750" algn="l" defTabSz="457200" rtl="0" eaLnBrk="1" latinLnBrk="0" hangingPunct="1">
+              <a:spcBef>
+                <a:spcPts val="1000"/>
+              </a:spcBef>
+              <a:spcAft>
+                <a:spcPts val="0"/>
+              </a:spcAft>
+              <a:buClr>
+                <a:schemeClr val="accent1"/>
+              </a:buClr>
+              <a:buSzPct val="80000"/>
+              <a:buFont typeface="Wingdings 3" charset="2"/>
+              <a:buChar char=""/>
+              <a:defRPr sz="1600" kern="1200">
+                <a:solidFill>
+                  <a:schemeClr val="tx1">
+                    <a:lumMod val="75000"/>
+                    <a:lumOff val="25000"/>
+                  </a:schemeClr>
+                </a:solidFill>
+                <a:latin typeface="+mn-lt"/>
+                <a:ea typeface="+mn-ea"/>
+                <a:cs typeface="+mn-cs"/>
+              </a:defRPr>
+            </a:lvl2pPr>
+            <a:lvl3pPr marL="1143000" indent="-228600" algn="l" defTabSz="457200" rtl="0" eaLnBrk="1" latinLnBrk="0" hangingPunct="1">
+              <a:spcBef>
+                <a:spcPts val="1000"/>
+              </a:spcBef>
+              <a:spcAft>
+                <a:spcPts val="0"/>
+              </a:spcAft>
+              <a:buClr>
+                <a:schemeClr val="accent1"/>
+              </a:buClr>
+              <a:buSzPct val="80000"/>
+              <a:buFont typeface="Wingdings 3" charset="2"/>
+              <a:buChar char=""/>
+              <a:defRPr sz="1400" kern="1200">
+                <a:solidFill>
+                  <a:schemeClr val="tx1">
+                    <a:lumMod val="75000"/>
+                    <a:lumOff val="25000"/>
+                  </a:schemeClr>
+                </a:solidFill>
+                <a:latin typeface="+mn-lt"/>
+                <a:ea typeface="+mn-ea"/>
+                <a:cs typeface="+mn-cs"/>
+              </a:defRPr>
+            </a:lvl3pPr>
+            <a:lvl4pPr marL="1600200" indent="-228600" algn="l" defTabSz="457200" rtl="0" eaLnBrk="1" latinLnBrk="0" hangingPunct="1">
+              <a:spcBef>
+                <a:spcPts val="1000"/>
+              </a:spcBef>
+              <a:spcAft>
+                <a:spcPts val="0"/>
+              </a:spcAft>
+              <a:buClr>
+                <a:schemeClr val="accent1"/>
+              </a:buClr>
+              <a:buSzPct val="80000"/>
+              <a:buFont typeface="Wingdings 3" charset="2"/>
+              <a:buChar char=""/>
+              <a:defRPr sz="1200" kern="1200">
+                <a:solidFill>
+                  <a:schemeClr val="tx1">
+                    <a:lumMod val="75000"/>
+                    <a:lumOff val="25000"/>
+                  </a:schemeClr>
+                </a:solidFill>
+                <a:latin typeface="+mn-lt"/>
+                <a:ea typeface="+mn-ea"/>
+                <a:cs typeface="+mn-cs"/>
+              </a:defRPr>
+            </a:lvl4pPr>
+            <a:lvl5pPr marL="2057400" indent="-228600" algn="l" defTabSz="457200" rtl="0" eaLnBrk="1" latinLnBrk="0" hangingPunct="1">
+              <a:spcBef>
+                <a:spcPts val="1000"/>
+              </a:spcBef>
+              <a:spcAft>
+                <a:spcPts val="0"/>
+              </a:spcAft>
+              <a:buClr>
+                <a:schemeClr val="accent1"/>
+              </a:buClr>
+              <a:buSzPct val="80000"/>
+              <a:buFont typeface="Wingdings 3" charset="2"/>
+              <a:buChar char=""/>
+              <a:defRPr sz="1200" kern="1200">
+                <a:solidFill>
+                  <a:schemeClr val="tx1">
+                    <a:lumMod val="75000"/>
+                    <a:lumOff val="25000"/>
+                  </a:schemeClr>
+                </a:solidFill>
+                <a:latin typeface="+mn-lt"/>
+                <a:ea typeface="+mn-ea"/>
+                <a:cs typeface="+mn-cs"/>
+              </a:defRPr>
+            </a:lvl5pPr>
+            <a:lvl6pPr marL="2514600" indent="-228600" algn="l" defTabSz="457200" rtl="0" eaLnBrk="1" latinLnBrk="0" hangingPunct="1">
+              <a:spcBef>
+                <a:spcPts val="1000"/>
+              </a:spcBef>
+              <a:spcAft>
+                <a:spcPts val="0"/>
+              </a:spcAft>
+              <a:buClr>
+                <a:schemeClr val="accent1"/>
+              </a:buClr>
+              <a:buSzPct val="80000"/>
+              <a:buFont typeface="Wingdings 3" charset="2"/>
+              <a:buChar char=""/>
+              <a:defRPr sz="1200" kern="1200">
+                <a:solidFill>
+                  <a:schemeClr val="tx1">
+                    <a:lumMod val="75000"/>
+                    <a:lumOff val="25000"/>
+                  </a:schemeClr>
+                </a:solidFill>
+                <a:latin typeface="+mn-lt"/>
+                <a:ea typeface="+mn-ea"/>
+                <a:cs typeface="+mn-cs"/>
+              </a:defRPr>
+            </a:lvl6pPr>
+            <a:lvl7pPr marL="2971800" indent="-228600" algn="l" defTabSz="457200" rtl="0" eaLnBrk="1" latinLnBrk="0" hangingPunct="1">
+              <a:spcBef>
+                <a:spcPts val="1000"/>
+              </a:spcBef>
+              <a:spcAft>
+                <a:spcPts val="0"/>
+              </a:spcAft>
+              <a:buClr>
+                <a:schemeClr val="accent1"/>
+              </a:buClr>
+              <a:buSzPct val="80000"/>
+              <a:buFont typeface="Wingdings 3" charset="2"/>
+              <a:buChar char=""/>
+              <a:defRPr sz="1200" kern="1200">
+                <a:solidFill>
+                  <a:schemeClr val="tx1">
+                    <a:lumMod val="75000"/>
+                    <a:lumOff val="25000"/>
+                  </a:schemeClr>
+                </a:solidFill>
+                <a:latin typeface="+mn-lt"/>
+                <a:ea typeface="+mn-ea"/>
+                <a:cs typeface="+mn-cs"/>
+              </a:defRPr>
+            </a:lvl7pPr>
+            <a:lvl8pPr marL="3429000" indent="-228600" algn="l" defTabSz="457200" rtl="0" eaLnBrk="1" latinLnBrk="0" hangingPunct="1">
+              <a:spcBef>
+                <a:spcPts val="1000"/>
+              </a:spcBef>
+              <a:spcAft>
+                <a:spcPts val="0"/>
+              </a:spcAft>
+              <a:buClr>
+                <a:schemeClr val="accent1"/>
+              </a:buClr>
+              <a:buSzPct val="80000"/>
+              <a:buFont typeface="Wingdings 3" charset="2"/>
+              <a:buChar char=""/>
+              <a:defRPr sz="1200" kern="1200">
+                <a:solidFill>
+                  <a:schemeClr val="tx1">
+                    <a:lumMod val="75000"/>
+                    <a:lumOff val="25000"/>
+                  </a:schemeClr>
+                </a:solidFill>
+                <a:latin typeface="+mn-lt"/>
+                <a:ea typeface="+mn-ea"/>
+                <a:cs typeface="+mn-cs"/>
+              </a:defRPr>
+            </a:lvl8pPr>
+            <a:lvl9pPr marL="3886200" indent="-228600" algn="l" defTabSz="457200" rtl="0" eaLnBrk="1" latinLnBrk="0" hangingPunct="1">
+              <a:spcBef>
+                <a:spcPts val="1000"/>
+              </a:spcBef>
+              <a:spcAft>
+                <a:spcPts val="0"/>
+              </a:spcAft>
+              <a:buClr>
+                <a:schemeClr val="accent1"/>
+              </a:buClr>
+              <a:buSzPct val="80000"/>
+              <a:buFont typeface="Wingdings 3" charset="2"/>
+              <a:buChar char=""/>
+              <a:defRPr sz="1200" kern="1200">
+                <a:solidFill>
+                  <a:schemeClr val="tx1">
+                    <a:lumMod val="75000"/>
+                    <a:lumOff val="25000"/>
+                  </a:schemeClr>
+                </a:solidFill>
+                <a:latin typeface="+mn-lt"/>
+                <a:ea typeface="+mn-ea"/>
+                <a:cs typeface="+mn-cs"/>
+              </a:defRPr>
+            </a:lvl9pPr>
+          </a:lstStyle>
+          <a:p>
+            <a:pPr algn="just">
+              <a:spcAft>
+                <a:spcPts val="1800"/>
+              </a:spcAft>
+            </a:pPr>
+            <a:r>
+              <a:rPr lang="es-ES" dirty="0">
+                <a:solidFill>
+                  <a:schemeClr val="bg1"/>
+                </a:solidFill>
+              </a:rPr>
+              <a:t>Si el contorno se estima con la </a:t>
+            </a:r>
+            <a:r>
+              <a:rPr lang="es-ES" dirty="0">
+                <a:solidFill>
+                  <a:srgbClr val="92D050"/>
+                </a:solidFill>
+              </a:rPr>
+              <a:t>densidad estimada </a:t>
+            </a:r>
+            <a:r>
+              <a:rPr lang="es-ES" dirty="0">
+                <a:solidFill>
+                  <a:schemeClr val="bg1"/>
+                </a:solidFill>
+              </a:rPr>
+              <a:t>quedaría:</a:t>
+            </a:r>
+          </a:p>
+          <a:p>
+            <a:pPr algn="just">
+              <a:spcAft>
+                <a:spcPts val="1800"/>
+              </a:spcAft>
+            </a:pPr>
+            <a:endParaRPr lang="es-ES" sz="1700" b="0" dirty="0"/>
+          </a:p>
+          <a:p>
+            <a:pPr marL="0" indent="0" algn="ctr">
+              <a:spcAft>
+                <a:spcPts val="1800"/>
+              </a:spcAft>
+              <a:buNone/>
+            </a:pPr>
+            <a:endParaRPr lang="es-ES" sz="2000" dirty="0"/>
+          </a:p>
+          <a:p>
+            <a:pPr marL="0" indent="0" algn="just">
+              <a:spcAft>
+                <a:spcPts val="1800"/>
+              </a:spcAft>
+              <a:buNone/>
+            </a:pPr>
+            <a:endParaRPr lang="es-ES" sz="1600" dirty="0"/>
+          </a:p>
+        </p:txBody>
+      </p:sp>
+      <p:sp>
+        <p:nvSpPr>
+          <p:cNvPr id="6" name="Título 3">
+            <a:extLst>
+              <a:ext uri="{FF2B5EF4-FFF2-40B4-BE49-F238E27FC236}">
+                <a16:creationId xmlns:a16="http://schemas.microsoft.com/office/drawing/2014/main" id="{BF1C2B5D-F887-4869-8F99-9931BEC5681C}"/>
+              </a:ext>
+            </a:extLst>
+          </p:cNvPr>
+          <p:cNvSpPr>
+            <a:spLocks noGrp="1"/>
+          </p:cNvSpPr>
+          <p:nvPr>
+            <p:ph type="title"/>
+          </p:nvPr>
+        </p:nvSpPr>
+        <p:spPr>
+          <a:xfrm>
+            <a:off x="404102" y="505566"/>
+            <a:ext cx="8240244" cy="1320800"/>
+          </a:xfrm>
+        </p:spPr>
+        <p:txBody>
+          <a:bodyPr>
+            <a:normAutofit/>
+          </a:bodyPr>
+          <a:lstStyle/>
+          <a:p>
+            <a:r>
+              <a:rPr lang="es-ES" dirty="0"/>
+              <a:t>Caso bivariante</a:t>
+            </a:r>
+          </a:p>
+        </p:txBody>
+      </p:sp>
+      <p:pic>
+        <p:nvPicPr>
           <p:cNvPr id="7" name="Imagen 6">
             <a:extLst>
               <a:ext uri="{FF2B5EF4-FFF2-40B4-BE49-F238E27FC236}">
@@ -10984,8 +11387,2559 @@
           </a:p>
         </p:txBody>
       </p:sp>
-      <mc:AlternateContent xmlns:mc="http://schemas.openxmlformats.org/markup-compatibility/2006" xmlns:a14="http://schemas.microsoft.com/office/drawing/2010/main">
-        <mc:Choice Requires="a14">
+      <mc:AlternateContent xmlns:mc="http://schemas.openxmlformats.org/markup-compatibility/2006">
+        <mc:Choice xmlns:a14="http://schemas.microsoft.com/office/drawing/2010/main" Requires="a14">
+          <p:sp>
+            <p:nvSpPr>
+              <p:cNvPr id="5" name="Marcador de contenido 2"/>
+              <p:cNvSpPr txBox="1">
+                <a:spLocks/>
+              </p:cNvSpPr>
+              <p:nvPr/>
+            </p:nvSpPr>
+            <p:spPr>
+              <a:xfrm>
+                <a:off x="269021" y="1826366"/>
+                <a:ext cx="9404916" cy="4703158"/>
+              </a:xfrm>
+              <a:prstGeom prst="rect">
+                <a:avLst/>
+              </a:prstGeom>
+            </p:spPr>
+            <p:txBody>
+              <a:bodyPr vert="horz" lIns="91440" tIns="45720" rIns="91440" bIns="45720" rtlCol="0">
+                <a:normAutofit/>
+              </a:bodyPr>
+              <a:lstStyle>
+                <a:lvl1pPr marL="342900" indent="-342900" algn="l" defTabSz="457200" rtl="0" eaLnBrk="1" latinLnBrk="0" hangingPunct="1">
+                  <a:spcBef>
+                    <a:spcPts val="1000"/>
+                  </a:spcBef>
+                  <a:spcAft>
+                    <a:spcPts val="0"/>
+                  </a:spcAft>
+                  <a:buClr>
+                    <a:schemeClr val="accent1"/>
+                  </a:buClr>
+                  <a:buSzPct val="80000"/>
+                  <a:buFont typeface="Wingdings 3" charset="2"/>
+                  <a:buChar char=""/>
+                  <a:defRPr sz="1800" kern="1200">
+                    <a:solidFill>
+                      <a:schemeClr val="tx1">
+                        <a:lumMod val="75000"/>
+                        <a:lumOff val="25000"/>
+                      </a:schemeClr>
+                    </a:solidFill>
+                    <a:latin typeface="+mn-lt"/>
+                    <a:ea typeface="+mn-ea"/>
+                    <a:cs typeface="+mn-cs"/>
+                  </a:defRPr>
+                </a:lvl1pPr>
+                <a:lvl2pPr marL="742950" indent="-285750" algn="l" defTabSz="457200" rtl="0" eaLnBrk="1" latinLnBrk="0" hangingPunct="1">
+                  <a:spcBef>
+                    <a:spcPts val="1000"/>
+                  </a:spcBef>
+                  <a:spcAft>
+                    <a:spcPts val="0"/>
+                  </a:spcAft>
+                  <a:buClr>
+                    <a:schemeClr val="accent1"/>
+                  </a:buClr>
+                  <a:buSzPct val="80000"/>
+                  <a:buFont typeface="Wingdings 3" charset="2"/>
+                  <a:buChar char=""/>
+                  <a:defRPr sz="1600" kern="1200">
+                    <a:solidFill>
+                      <a:schemeClr val="tx1">
+                        <a:lumMod val="75000"/>
+                        <a:lumOff val="25000"/>
+                      </a:schemeClr>
+                    </a:solidFill>
+                    <a:latin typeface="+mn-lt"/>
+                    <a:ea typeface="+mn-ea"/>
+                    <a:cs typeface="+mn-cs"/>
+                  </a:defRPr>
+                </a:lvl2pPr>
+                <a:lvl3pPr marL="1143000" indent="-228600" algn="l" defTabSz="457200" rtl="0" eaLnBrk="1" latinLnBrk="0" hangingPunct="1">
+                  <a:spcBef>
+                    <a:spcPts val="1000"/>
+                  </a:spcBef>
+                  <a:spcAft>
+                    <a:spcPts val="0"/>
+                  </a:spcAft>
+                  <a:buClr>
+                    <a:schemeClr val="accent1"/>
+                  </a:buClr>
+                  <a:buSzPct val="80000"/>
+                  <a:buFont typeface="Wingdings 3" charset="2"/>
+                  <a:buChar char=""/>
+                  <a:defRPr sz="1400" kern="1200">
+                    <a:solidFill>
+                      <a:schemeClr val="tx1">
+                        <a:lumMod val="75000"/>
+                        <a:lumOff val="25000"/>
+                      </a:schemeClr>
+                    </a:solidFill>
+                    <a:latin typeface="+mn-lt"/>
+                    <a:ea typeface="+mn-ea"/>
+                    <a:cs typeface="+mn-cs"/>
+                  </a:defRPr>
+                </a:lvl3pPr>
+                <a:lvl4pPr marL="1600200" indent="-228600" algn="l" defTabSz="457200" rtl="0" eaLnBrk="1" latinLnBrk="0" hangingPunct="1">
+                  <a:spcBef>
+                    <a:spcPts val="1000"/>
+                  </a:spcBef>
+                  <a:spcAft>
+                    <a:spcPts val="0"/>
+                  </a:spcAft>
+                  <a:buClr>
+                    <a:schemeClr val="accent1"/>
+                  </a:buClr>
+                  <a:buSzPct val="80000"/>
+                  <a:buFont typeface="Wingdings 3" charset="2"/>
+                  <a:buChar char=""/>
+                  <a:defRPr sz="1200" kern="1200">
+                    <a:solidFill>
+                      <a:schemeClr val="tx1">
+                        <a:lumMod val="75000"/>
+                        <a:lumOff val="25000"/>
+                      </a:schemeClr>
+                    </a:solidFill>
+                    <a:latin typeface="+mn-lt"/>
+                    <a:ea typeface="+mn-ea"/>
+                    <a:cs typeface="+mn-cs"/>
+                  </a:defRPr>
+                </a:lvl4pPr>
+                <a:lvl5pPr marL="2057400" indent="-228600" algn="l" defTabSz="457200" rtl="0" eaLnBrk="1" latinLnBrk="0" hangingPunct="1">
+                  <a:spcBef>
+                    <a:spcPts val="1000"/>
+                  </a:spcBef>
+                  <a:spcAft>
+                    <a:spcPts val="0"/>
+                  </a:spcAft>
+                  <a:buClr>
+                    <a:schemeClr val="accent1"/>
+                  </a:buClr>
+                  <a:buSzPct val="80000"/>
+                  <a:buFont typeface="Wingdings 3" charset="2"/>
+                  <a:buChar char=""/>
+                  <a:defRPr sz="1200" kern="1200">
+                    <a:solidFill>
+                      <a:schemeClr val="tx1">
+                        <a:lumMod val="75000"/>
+                        <a:lumOff val="25000"/>
+                      </a:schemeClr>
+                    </a:solidFill>
+                    <a:latin typeface="+mn-lt"/>
+                    <a:ea typeface="+mn-ea"/>
+                    <a:cs typeface="+mn-cs"/>
+                  </a:defRPr>
+                </a:lvl5pPr>
+                <a:lvl6pPr marL="2514600" indent="-228600" algn="l" defTabSz="457200" rtl="0" eaLnBrk="1" latinLnBrk="0" hangingPunct="1">
+                  <a:spcBef>
+                    <a:spcPts val="1000"/>
+                  </a:spcBef>
+                  <a:spcAft>
+                    <a:spcPts val="0"/>
+                  </a:spcAft>
+                  <a:buClr>
+                    <a:schemeClr val="accent1"/>
+                  </a:buClr>
+                  <a:buSzPct val="80000"/>
+                  <a:buFont typeface="Wingdings 3" charset="2"/>
+                  <a:buChar char=""/>
+                  <a:defRPr sz="1200" kern="1200">
+                    <a:solidFill>
+                      <a:schemeClr val="tx1">
+                        <a:lumMod val="75000"/>
+                        <a:lumOff val="25000"/>
+                      </a:schemeClr>
+                    </a:solidFill>
+                    <a:latin typeface="+mn-lt"/>
+                    <a:ea typeface="+mn-ea"/>
+                    <a:cs typeface="+mn-cs"/>
+                  </a:defRPr>
+                </a:lvl6pPr>
+                <a:lvl7pPr marL="2971800" indent="-228600" algn="l" defTabSz="457200" rtl="0" eaLnBrk="1" latinLnBrk="0" hangingPunct="1">
+                  <a:spcBef>
+                    <a:spcPts val="1000"/>
+                  </a:spcBef>
+                  <a:spcAft>
+                    <a:spcPts val="0"/>
+                  </a:spcAft>
+                  <a:buClr>
+                    <a:schemeClr val="accent1"/>
+                  </a:buClr>
+                  <a:buSzPct val="80000"/>
+                  <a:buFont typeface="Wingdings 3" charset="2"/>
+                  <a:buChar char=""/>
+                  <a:defRPr sz="1200" kern="1200">
+                    <a:solidFill>
+                      <a:schemeClr val="tx1">
+                        <a:lumMod val="75000"/>
+                        <a:lumOff val="25000"/>
+                      </a:schemeClr>
+                    </a:solidFill>
+                    <a:latin typeface="+mn-lt"/>
+                    <a:ea typeface="+mn-ea"/>
+                    <a:cs typeface="+mn-cs"/>
+                  </a:defRPr>
+                </a:lvl7pPr>
+                <a:lvl8pPr marL="3429000" indent="-228600" algn="l" defTabSz="457200" rtl="0" eaLnBrk="1" latinLnBrk="0" hangingPunct="1">
+                  <a:spcBef>
+                    <a:spcPts val="1000"/>
+                  </a:spcBef>
+                  <a:spcAft>
+                    <a:spcPts val="0"/>
+                  </a:spcAft>
+                  <a:buClr>
+                    <a:schemeClr val="accent1"/>
+                  </a:buClr>
+                  <a:buSzPct val="80000"/>
+                  <a:buFont typeface="Wingdings 3" charset="2"/>
+                  <a:buChar char=""/>
+                  <a:defRPr sz="1200" kern="1200">
+                    <a:solidFill>
+                      <a:schemeClr val="tx1">
+                        <a:lumMod val="75000"/>
+                        <a:lumOff val="25000"/>
+                      </a:schemeClr>
+                    </a:solidFill>
+                    <a:latin typeface="+mn-lt"/>
+                    <a:ea typeface="+mn-ea"/>
+                    <a:cs typeface="+mn-cs"/>
+                  </a:defRPr>
+                </a:lvl8pPr>
+                <a:lvl9pPr marL="3886200" indent="-228600" algn="l" defTabSz="457200" rtl="0" eaLnBrk="1" latinLnBrk="0" hangingPunct="1">
+                  <a:spcBef>
+                    <a:spcPts val="1000"/>
+                  </a:spcBef>
+                  <a:spcAft>
+                    <a:spcPts val="0"/>
+                  </a:spcAft>
+                  <a:buClr>
+                    <a:schemeClr val="accent1"/>
+                  </a:buClr>
+                  <a:buSzPct val="80000"/>
+                  <a:buFont typeface="Wingdings 3" charset="2"/>
+                  <a:buChar char=""/>
+                  <a:defRPr sz="1200" kern="1200">
+                    <a:solidFill>
+                      <a:schemeClr val="tx1">
+                        <a:lumMod val="75000"/>
+                        <a:lumOff val="25000"/>
+                      </a:schemeClr>
+                    </a:solidFill>
+                    <a:latin typeface="+mn-lt"/>
+                    <a:ea typeface="+mn-ea"/>
+                    <a:cs typeface="+mn-cs"/>
+                  </a:defRPr>
+                </a:lvl9pPr>
+              </a:lstStyle>
+              <a:p>
+                <a:pPr algn="just">
+                  <a:spcAft>
+                    <a:spcPts val="1800"/>
+                  </a:spcAft>
+                </a:pPr>
+                <a:r>
+                  <a:rPr lang="es-ES" dirty="0">
+                    <a:solidFill>
+                      <a:schemeClr val="bg1"/>
+                    </a:solidFill>
+                  </a:rPr>
+                  <a:t>Si el vector aleatorio </a:t>
+                </a:r>
+                <a14:m>
+                  <m:oMath xmlns:m="http://schemas.openxmlformats.org/officeDocument/2006/math">
+                    <m:r>
+                      <a:rPr lang="es-ES" b="1">
+                        <a:solidFill>
+                          <a:schemeClr val="bg1"/>
+                        </a:solidFill>
+                        <a:latin typeface="Cambria Math" panose="02040503050406030204" pitchFamily="18" charset="0"/>
+                      </a:rPr>
+                      <m:t>𝐱</m:t>
+                    </m:r>
+                    <m:r>
+                      <a:rPr lang="es-ES">
+                        <a:solidFill>
+                          <a:schemeClr val="bg1"/>
+                        </a:solidFill>
+                        <a:latin typeface="Cambria Math" panose="02040503050406030204" pitchFamily="18" charset="0"/>
+                      </a:rPr>
+                      <m:t>=</m:t>
+                    </m:r>
+                    <m:d>
+                      <m:dPr>
+                        <m:begChr m:val="["/>
+                        <m:endChr m:val="]"/>
+                        <m:ctrlPr>
+                          <a:rPr lang="es-ES" i="1">
+                            <a:solidFill>
+                              <a:schemeClr val="bg1"/>
+                            </a:solidFill>
+                            <a:latin typeface="Cambria Math" panose="02040503050406030204" pitchFamily="18" charset="0"/>
+                          </a:rPr>
+                        </m:ctrlPr>
+                      </m:dPr>
+                      <m:e>
+                        <m:sSub>
+                          <m:sSubPr>
+                            <m:ctrlPr>
+                              <a:rPr lang="es-ES" b="1" i="0" smtClean="0">
+                                <a:solidFill>
+                                  <a:schemeClr val="bg1"/>
+                                </a:solidFill>
+                                <a:latin typeface="Cambria Math" panose="02040503050406030204" pitchFamily="18" charset="0"/>
+                              </a:rPr>
+                            </m:ctrlPr>
+                          </m:sSubPr>
+                          <m:e>
+                            <m:r>
+                              <a:rPr lang="es-ES" b="1">
+                                <a:solidFill>
+                                  <a:schemeClr val="bg1"/>
+                                </a:solidFill>
+                                <a:latin typeface="Cambria Math" panose="02040503050406030204" pitchFamily="18" charset="0"/>
+                              </a:rPr>
+                              <m:t>𝐱</m:t>
+                            </m:r>
+                          </m:e>
+                          <m:sub>
+                            <m:r>
+                              <a:rPr lang="es-ES" b="1" i="0" smtClean="0">
+                                <a:solidFill>
+                                  <a:schemeClr val="bg1"/>
+                                </a:solidFill>
+                                <a:latin typeface="Cambria Math" panose="02040503050406030204" pitchFamily="18" charset="0"/>
+                              </a:rPr>
+                              <m:t>𝟏</m:t>
+                            </m:r>
+                          </m:sub>
+                        </m:sSub>
+                        <m:r>
+                          <a:rPr lang="es-ES" b="1">
+                            <a:solidFill>
+                              <a:schemeClr val="bg1"/>
+                            </a:solidFill>
+                            <a:latin typeface="Cambria Math" panose="02040503050406030204" pitchFamily="18" charset="0"/>
+                          </a:rPr>
+                          <m:t>,</m:t>
+                        </m:r>
+                        <m:r>
+                          <a:rPr lang="es-ES" b="1" i="0" smtClean="0">
+                            <a:solidFill>
+                              <a:schemeClr val="bg1"/>
+                            </a:solidFill>
+                            <a:latin typeface="Cambria Math" panose="02040503050406030204" pitchFamily="18" charset="0"/>
+                          </a:rPr>
+                          <m:t>…,</m:t>
+                        </m:r>
+                        <m:sSub>
+                          <m:sSubPr>
+                            <m:ctrlPr>
+                              <a:rPr lang="es-ES" b="1" i="1">
+                                <a:solidFill>
+                                  <a:schemeClr val="bg1"/>
+                                </a:solidFill>
+                                <a:latin typeface="Cambria Math" panose="02040503050406030204" pitchFamily="18" charset="0"/>
+                              </a:rPr>
+                            </m:ctrlPr>
+                          </m:sSubPr>
+                          <m:e>
+                            <m:r>
+                              <a:rPr lang="es-ES" b="1">
+                                <a:solidFill>
+                                  <a:schemeClr val="bg1"/>
+                                </a:solidFill>
+                                <a:latin typeface="Cambria Math" panose="02040503050406030204" pitchFamily="18" charset="0"/>
+                              </a:rPr>
+                              <m:t>𝐱</m:t>
+                            </m:r>
+                          </m:e>
+                          <m:sub>
+                            <m:r>
+                              <a:rPr lang="es-ES" b="1" i="1" smtClean="0">
+                                <a:solidFill>
+                                  <a:schemeClr val="bg1"/>
+                                </a:solidFill>
+                                <a:latin typeface="Cambria Math" panose="02040503050406030204" pitchFamily="18" charset="0"/>
+                              </a:rPr>
+                              <m:t>𝒑</m:t>
+                            </m:r>
+                          </m:sub>
+                        </m:sSub>
+                      </m:e>
+                    </m:d>
+                  </m:oMath>
+                </a14:m>
+                <a:r>
+                  <a:rPr lang="es-ES" dirty="0">
+                    <a:solidFill>
+                      <a:schemeClr val="bg1"/>
+                    </a:solidFill>
+                  </a:rPr>
+                  <a:t> es Normal bivariante con vector de medias </a:t>
+                </a:r>
+                <a14:m>
+                  <m:oMath xmlns:m="http://schemas.openxmlformats.org/officeDocument/2006/math">
+                    <m:sSub>
+                      <m:sSubPr>
+                        <m:ctrlPr>
+                          <a:rPr lang="es-ES" i="1">
+                            <a:solidFill>
+                              <a:schemeClr val="bg1"/>
+                            </a:solidFill>
+                            <a:latin typeface="Cambria Math" panose="02040503050406030204" pitchFamily="18" charset="0"/>
+                          </a:rPr>
+                        </m:ctrlPr>
+                      </m:sSubPr>
+                      <m:e>
+                        <m:r>
+                          <a:rPr lang="es-ES" b="1" i="1">
+                            <a:solidFill>
+                              <a:schemeClr val="bg1"/>
+                            </a:solidFill>
+                            <a:latin typeface="Cambria Math" panose="02040503050406030204" pitchFamily="18" charset="0"/>
+                          </a:rPr>
+                          <m:t>𝝁</m:t>
+                        </m:r>
+                      </m:e>
+                      <m:sub>
+                        <m:r>
+                          <m:rPr>
+                            <m:sty m:val="p"/>
+                          </m:rPr>
+                          <a:rPr lang="es-ES">
+                            <a:solidFill>
+                              <a:schemeClr val="bg1"/>
+                            </a:solidFill>
+                            <a:latin typeface="Cambria Math" panose="02040503050406030204" pitchFamily="18" charset="0"/>
+                          </a:rPr>
+                          <m:t>x</m:t>
+                        </m:r>
+                      </m:sub>
+                    </m:sSub>
+                  </m:oMath>
+                </a14:m>
+                <a:r>
+                  <a:rPr lang="es-ES" dirty="0">
+                    <a:solidFill>
+                      <a:schemeClr val="bg1"/>
+                    </a:solidFill>
+                  </a:rPr>
+                  <a:t>, y matriz de covarianza </a:t>
+                </a:r>
+                <a14:m>
+                  <m:oMath xmlns:m="http://schemas.openxmlformats.org/officeDocument/2006/math">
+                    <m:sSub>
+                      <m:sSubPr>
+                        <m:ctrlPr>
+                          <a:rPr lang="es-ES" b="0" i="0" smtClean="0">
+                            <a:solidFill>
+                              <a:schemeClr val="bg1"/>
+                            </a:solidFill>
+                            <a:latin typeface="Cambria Math" panose="02040503050406030204" pitchFamily="18" charset="0"/>
+                          </a:rPr>
+                        </m:ctrlPr>
+                      </m:sSubPr>
+                      <m:e>
+                        <m:r>
+                          <m:rPr>
+                            <m:sty m:val="p"/>
+                          </m:rPr>
+                          <a:rPr lang="es-ES">
+                            <a:solidFill>
+                              <a:schemeClr val="bg1"/>
+                            </a:solidFill>
+                            <a:latin typeface="Cambria Math" panose="02040503050406030204" pitchFamily="18" charset="0"/>
+                          </a:rPr>
+                          <m:t>Σ</m:t>
+                        </m:r>
+                      </m:e>
+                      <m:sub>
+                        <m:r>
+                          <m:rPr>
+                            <m:sty m:val="p"/>
+                          </m:rPr>
+                          <a:rPr lang="es-ES" b="0" i="0" smtClean="0">
+                            <a:solidFill>
+                              <a:schemeClr val="bg1"/>
+                            </a:solidFill>
+                            <a:latin typeface="Cambria Math" panose="02040503050406030204" pitchFamily="18" charset="0"/>
+                          </a:rPr>
+                          <m:t>x</m:t>
+                        </m:r>
+                      </m:sub>
+                    </m:sSub>
+                  </m:oMath>
+                </a14:m>
+                <a:r>
+                  <a:rPr lang="es-ES" dirty="0">
+                    <a:solidFill>
+                      <a:schemeClr val="bg1"/>
+                    </a:solidFill>
+                  </a:rPr>
+                  <a:t>. </a:t>
+                </a:r>
+                <a:r>
+                  <a:rPr lang="es-ES" sz="1700" dirty="0">
+                    <a:solidFill>
+                      <a:schemeClr val="bg1"/>
+                    </a:solidFill>
+                  </a:rPr>
+                  <a:t>Entonces igualando su función de densidad a una contante queda:</a:t>
+                </a:r>
+              </a:p>
+              <a:p>
+                <a:pPr marL="0" indent="0" algn="ctr">
+                  <a:spcAft>
+                    <a:spcPts val="1800"/>
+                  </a:spcAft>
+                  <a:buNone/>
+                </a:pPr>
+                <a14:m>
+                  <m:oMathPara xmlns:m="http://schemas.openxmlformats.org/officeDocument/2006/math">
+                    <m:oMathParaPr>
+                      <m:jc m:val="centerGroup"/>
+                    </m:oMathParaPr>
+                    <m:oMath xmlns:m="http://schemas.openxmlformats.org/officeDocument/2006/math">
+                      <m:sSub>
+                        <m:sSubPr>
+                          <m:ctrlPr>
+                            <a:rPr lang="es-ES" i="1">
+                              <a:solidFill>
+                                <a:schemeClr val="bg1"/>
+                              </a:solidFill>
+                              <a:latin typeface="Cambria Math" panose="02040503050406030204" pitchFamily="18" charset="0"/>
+                            </a:rPr>
+                          </m:ctrlPr>
+                        </m:sSubPr>
+                        <m:e>
+                          <m:r>
+                            <a:rPr lang="es-ES" i="1">
+                              <a:solidFill>
+                                <a:schemeClr val="bg1"/>
+                              </a:solidFill>
+                              <a:latin typeface="Cambria Math" panose="02040503050406030204" pitchFamily="18" charset="0"/>
+                            </a:rPr>
+                            <m:t>𝑓</m:t>
+                          </m:r>
+                        </m:e>
+                        <m:sub>
+                          <m:r>
+                            <a:rPr lang="es-ES" b="1" i="0" smtClean="0">
+                              <a:solidFill>
+                                <a:schemeClr val="bg1"/>
+                              </a:solidFill>
+                              <a:latin typeface="Cambria Math" panose="02040503050406030204" pitchFamily="18" charset="0"/>
+                            </a:rPr>
+                            <m:t>𝐱</m:t>
+                          </m:r>
+                        </m:sub>
+                      </m:sSub>
+                      <m:r>
+                        <a:rPr lang="es-ES" i="1">
+                          <a:solidFill>
+                            <a:schemeClr val="bg1"/>
+                          </a:solidFill>
+                          <a:latin typeface="Cambria Math" panose="02040503050406030204" pitchFamily="18" charset="0"/>
+                        </a:rPr>
+                        <m:t>=</m:t>
+                      </m:r>
+                      <m:f>
+                        <m:fPr>
+                          <m:ctrlPr>
+                            <a:rPr lang="es-ES" i="1">
+                              <a:solidFill>
+                                <a:schemeClr val="bg1"/>
+                              </a:solidFill>
+                              <a:latin typeface="Cambria Math" panose="02040503050406030204" pitchFamily="18" charset="0"/>
+                            </a:rPr>
+                          </m:ctrlPr>
+                        </m:fPr>
+                        <m:num>
+                          <m:r>
+                            <a:rPr lang="es-ES" i="1">
+                              <a:solidFill>
+                                <a:schemeClr val="bg1"/>
+                              </a:solidFill>
+                              <a:latin typeface="Cambria Math" panose="02040503050406030204" pitchFamily="18" charset="0"/>
+                            </a:rPr>
+                            <m:t>1</m:t>
+                          </m:r>
+                        </m:num>
+                        <m:den>
+                          <m:sSup>
+                            <m:sSupPr>
+                              <m:ctrlPr>
+                                <a:rPr lang="es-ES" b="0" i="1" smtClean="0">
+                                  <a:solidFill>
+                                    <a:schemeClr val="bg1"/>
+                                  </a:solidFill>
+                                  <a:latin typeface="Cambria Math" panose="02040503050406030204" pitchFamily="18" charset="0"/>
+                                </a:rPr>
+                              </m:ctrlPr>
+                            </m:sSupPr>
+                            <m:e>
+                              <m:d>
+                                <m:dPr>
+                                  <m:ctrlPr>
+                                    <a:rPr lang="es-ES" b="0" i="1" smtClean="0">
+                                      <a:solidFill>
+                                        <a:schemeClr val="bg1"/>
+                                      </a:solidFill>
+                                      <a:latin typeface="Cambria Math" panose="02040503050406030204" pitchFamily="18" charset="0"/>
+                                    </a:rPr>
+                                  </m:ctrlPr>
+                                </m:dPr>
+                                <m:e>
+                                  <m:r>
+                                    <a:rPr lang="es-ES" i="1">
+                                      <a:solidFill>
+                                        <a:schemeClr val="bg1"/>
+                                      </a:solidFill>
+                                      <a:latin typeface="Cambria Math" panose="02040503050406030204" pitchFamily="18" charset="0"/>
+                                    </a:rPr>
+                                    <m:t>2 </m:t>
+                                  </m:r>
+                                  <m:r>
+                                    <a:rPr lang="es-ES" i="1">
+                                      <a:solidFill>
+                                        <a:schemeClr val="bg1"/>
+                                      </a:solidFill>
+                                      <a:latin typeface="Cambria Math" panose="02040503050406030204" pitchFamily="18" charset="0"/>
+                                    </a:rPr>
+                                    <m:t>𝜋</m:t>
+                                  </m:r>
+                                </m:e>
+                              </m:d>
+                            </m:e>
+                            <m:sup>
+                              <m:r>
+                                <a:rPr lang="es-ES" b="0" i="1" smtClean="0">
+                                  <a:solidFill>
+                                    <a:schemeClr val="bg1"/>
+                                  </a:solidFill>
+                                  <a:latin typeface="Cambria Math" panose="02040503050406030204" pitchFamily="18" charset="0"/>
+                                </a:rPr>
+                                <m:t>𝑝</m:t>
+                              </m:r>
+                              <m:r>
+                                <a:rPr lang="es-ES" b="0" i="1" smtClean="0">
+                                  <a:solidFill>
+                                    <a:schemeClr val="bg1"/>
+                                  </a:solidFill>
+                                  <a:latin typeface="Cambria Math" panose="02040503050406030204" pitchFamily="18" charset="0"/>
+                                </a:rPr>
+                                <m:t>/2</m:t>
+                              </m:r>
+                            </m:sup>
+                          </m:sSup>
+                          <m:sSup>
+                            <m:sSupPr>
+                              <m:ctrlPr>
+                                <a:rPr lang="es-ES" i="1">
+                                  <a:solidFill>
+                                    <a:schemeClr val="bg1"/>
+                                  </a:solidFill>
+                                  <a:latin typeface="Cambria Math" panose="02040503050406030204" pitchFamily="18" charset="0"/>
+                                </a:rPr>
+                              </m:ctrlPr>
+                            </m:sSupPr>
+                            <m:e>
+                              <m:func>
+                                <m:funcPr>
+                                  <m:ctrlPr>
+                                    <a:rPr lang="es-ES" i="1">
+                                      <a:solidFill>
+                                        <a:schemeClr val="bg1"/>
+                                      </a:solidFill>
+                                      <a:latin typeface="Cambria Math" panose="02040503050406030204" pitchFamily="18" charset="0"/>
+                                    </a:rPr>
+                                  </m:ctrlPr>
+                                </m:funcPr>
+                                <m:fName>
+                                  <m:r>
+                                    <m:rPr>
+                                      <m:sty m:val="p"/>
+                                    </m:rPr>
+                                    <a:rPr lang="es-ES">
+                                      <a:solidFill>
+                                        <a:schemeClr val="bg1"/>
+                                      </a:solidFill>
+                                      <a:latin typeface="Cambria Math" panose="02040503050406030204" pitchFamily="18" charset="0"/>
+                                    </a:rPr>
+                                    <m:t>det</m:t>
+                                  </m:r>
+                                </m:fName>
+                                <m:e>
+                                  <m:d>
+                                    <m:dPr>
+                                      <m:ctrlPr>
+                                        <a:rPr lang="es-ES" i="1">
+                                          <a:solidFill>
+                                            <a:schemeClr val="bg1"/>
+                                          </a:solidFill>
+                                          <a:latin typeface="Cambria Math" panose="02040503050406030204" pitchFamily="18" charset="0"/>
+                                        </a:rPr>
+                                      </m:ctrlPr>
+                                    </m:dPr>
+                                    <m:e>
+                                      <m:sSub>
+                                        <m:sSubPr>
+                                          <m:ctrlPr>
+                                            <a:rPr lang="es-ES" b="0" i="0" smtClean="0">
+                                              <a:solidFill>
+                                                <a:schemeClr val="bg1"/>
+                                              </a:solidFill>
+                                              <a:latin typeface="Cambria Math" panose="02040503050406030204" pitchFamily="18" charset="0"/>
+                                            </a:rPr>
+                                          </m:ctrlPr>
+                                        </m:sSubPr>
+                                        <m:e>
+                                          <m:r>
+                                            <m:rPr>
+                                              <m:sty m:val="p"/>
+                                            </m:rPr>
+                                            <a:rPr lang="es-ES">
+                                              <a:solidFill>
+                                                <a:schemeClr val="bg1"/>
+                                              </a:solidFill>
+                                              <a:latin typeface="Cambria Math" panose="02040503050406030204" pitchFamily="18" charset="0"/>
+                                            </a:rPr>
+                                            <m:t>Σ</m:t>
+                                          </m:r>
+                                        </m:e>
+                                        <m:sub>
+                                          <m:r>
+                                            <m:rPr>
+                                              <m:sty m:val="p"/>
+                                            </m:rPr>
+                                            <a:rPr lang="es-ES" b="0" i="0" smtClean="0">
+                                              <a:solidFill>
+                                                <a:schemeClr val="bg1"/>
+                                              </a:solidFill>
+                                              <a:latin typeface="Cambria Math" panose="02040503050406030204" pitchFamily="18" charset="0"/>
+                                            </a:rPr>
+                                            <m:t>x</m:t>
+                                          </m:r>
+                                        </m:sub>
+                                      </m:sSub>
+                                    </m:e>
+                                  </m:d>
+                                </m:e>
+                              </m:func>
+                            </m:e>
+                            <m:sup>
+                              <m:r>
+                                <a:rPr lang="es-ES" i="1">
+                                  <a:solidFill>
+                                    <a:schemeClr val="bg1"/>
+                                  </a:solidFill>
+                                  <a:latin typeface="Cambria Math" panose="02040503050406030204" pitchFamily="18" charset="0"/>
+                                </a:rPr>
+                                <m:t>1/2</m:t>
+                              </m:r>
+                            </m:sup>
+                          </m:sSup>
+                        </m:den>
+                      </m:f>
+                      <m:func>
+                        <m:funcPr>
+                          <m:ctrlPr>
+                            <a:rPr lang="es-ES" i="1">
+                              <a:solidFill>
+                                <a:schemeClr val="bg1"/>
+                              </a:solidFill>
+                              <a:latin typeface="Cambria Math" panose="02040503050406030204" pitchFamily="18" charset="0"/>
+                            </a:rPr>
+                          </m:ctrlPr>
+                        </m:funcPr>
+                        <m:fName>
+                          <m:r>
+                            <m:rPr>
+                              <m:sty m:val="p"/>
+                            </m:rPr>
+                            <a:rPr lang="es-ES">
+                              <a:solidFill>
+                                <a:schemeClr val="bg1"/>
+                              </a:solidFill>
+                              <a:latin typeface="Cambria Math" panose="02040503050406030204" pitchFamily="18" charset="0"/>
+                            </a:rPr>
+                            <m:t>exp</m:t>
+                          </m:r>
+                        </m:fName>
+                        <m:e>
+                          <m:d>
+                            <m:dPr>
+                              <m:begChr m:val="{"/>
+                              <m:endChr m:val="}"/>
+                              <m:ctrlPr>
+                                <a:rPr lang="es-ES" i="1">
+                                  <a:solidFill>
+                                    <a:schemeClr val="bg1"/>
+                                  </a:solidFill>
+                                  <a:latin typeface="Cambria Math" panose="02040503050406030204" pitchFamily="18" charset="0"/>
+                                </a:rPr>
+                              </m:ctrlPr>
+                            </m:dPr>
+                            <m:e>
+                              <m:r>
+                                <a:rPr lang="es-ES" i="1">
+                                  <a:solidFill>
+                                    <a:schemeClr val="bg1"/>
+                                  </a:solidFill>
+                                  <a:latin typeface="Cambria Math" panose="02040503050406030204" pitchFamily="18" charset="0"/>
+                                </a:rPr>
+                                <m:t>−</m:t>
+                              </m:r>
+                              <m:f>
+                                <m:fPr>
+                                  <m:ctrlPr>
+                                    <a:rPr lang="es-ES" i="1">
+                                      <a:solidFill>
+                                        <a:schemeClr val="bg1"/>
+                                      </a:solidFill>
+                                      <a:latin typeface="Cambria Math" panose="02040503050406030204" pitchFamily="18" charset="0"/>
+                                    </a:rPr>
+                                  </m:ctrlPr>
+                                </m:fPr>
+                                <m:num>
+                                  <m:r>
+                                    <a:rPr lang="es-ES" i="1">
+                                      <a:solidFill>
+                                        <a:schemeClr val="bg1"/>
+                                      </a:solidFill>
+                                      <a:latin typeface="Cambria Math" panose="02040503050406030204" pitchFamily="18" charset="0"/>
+                                    </a:rPr>
+                                    <m:t>1</m:t>
+                                  </m:r>
+                                </m:num>
+                                <m:den>
+                                  <m:r>
+                                    <a:rPr lang="es-ES" i="1">
+                                      <a:solidFill>
+                                        <a:schemeClr val="bg1"/>
+                                      </a:solidFill>
+                                      <a:latin typeface="Cambria Math" panose="02040503050406030204" pitchFamily="18" charset="0"/>
+                                    </a:rPr>
+                                    <m:t>2</m:t>
+                                  </m:r>
+                                </m:den>
+                              </m:f>
+                              <m:sSup>
+                                <m:sSupPr>
+                                  <m:ctrlPr>
+                                    <a:rPr lang="es-ES" i="1">
+                                      <a:solidFill>
+                                        <a:schemeClr val="bg1"/>
+                                      </a:solidFill>
+                                      <a:latin typeface="Cambria Math" panose="02040503050406030204" pitchFamily="18" charset="0"/>
+                                    </a:rPr>
+                                  </m:ctrlPr>
+                                </m:sSupPr>
+                                <m:e>
+                                  <m:d>
+                                    <m:dPr>
+                                      <m:ctrlPr>
+                                        <a:rPr lang="es-ES" i="1">
+                                          <a:solidFill>
+                                            <a:schemeClr val="bg1"/>
+                                          </a:solidFill>
+                                          <a:latin typeface="Cambria Math" panose="02040503050406030204" pitchFamily="18" charset="0"/>
+                                        </a:rPr>
+                                      </m:ctrlPr>
+                                    </m:dPr>
+                                    <m:e>
+                                      <m:r>
+                                        <a:rPr lang="es-ES" b="1" i="0" smtClean="0">
+                                          <a:solidFill>
+                                            <a:schemeClr val="bg1"/>
+                                          </a:solidFill>
+                                          <a:latin typeface="Cambria Math" panose="02040503050406030204" pitchFamily="18" charset="0"/>
+                                        </a:rPr>
+                                        <m:t>𝐱</m:t>
+                                      </m:r>
+                                      <m:r>
+                                        <a:rPr lang="es-ES" i="1">
+                                          <a:solidFill>
+                                            <a:schemeClr val="bg1"/>
+                                          </a:solidFill>
+                                          <a:latin typeface="Cambria Math" panose="02040503050406030204" pitchFamily="18" charset="0"/>
+                                        </a:rPr>
+                                        <m:t>−</m:t>
+                                      </m:r>
+                                      <m:sSub>
+                                        <m:sSubPr>
+                                          <m:ctrlPr>
+                                            <a:rPr lang="es-ES" b="0" i="1" smtClean="0">
+                                              <a:solidFill>
+                                                <a:schemeClr val="bg1"/>
+                                              </a:solidFill>
+                                              <a:latin typeface="Cambria Math" panose="02040503050406030204" pitchFamily="18" charset="0"/>
+                                            </a:rPr>
+                                          </m:ctrlPr>
+                                        </m:sSubPr>
+                                        <m:e>
+                                          <m:r>
+                                            <a:rPr lang="es-ES" b="1" i="1">
+                                              <a:solidFill>
+                                                <a:schemeClr val="bg1"/>
+                                              </a:solidFill>
+                                              <a:latin typeface="Cambria Math" panose="02040503050406030204" pitchFamily="18" charset="0"/>
+                                            </a:rPr>
+                                            <m:t>𝝁</m:t>
+                                          </m:r>
+                                        </m:e>
+                                        <m:sub>
+                                          <m:r>
+                                            <m:rPr>
+                                              <m:sty m:val="p"/>
+                                            </m:rPr>
+                                            <a:rPr lang="es-ES" b="0" i="0" smtClean="0">
+                                              <a:solidFill>
+                                                <a:schemeClr val="bg1"/>
+                                              </a:solidFill>
+                                              <a:latin typeface="Cambria Math" panose="02040503050406030204" pitchFamily="18" charset="0"/>
+                                            </a:rPr>
+                                            <m:t>x</m:t>
+                                          </m:r>
+                                        </m:sub>
+                                      </m:sSub>
+                                    </m:e>
+                                  </m:d>
+                                </m:e>
+                                <m:sup>
+                                  <m:r>
+                                    <a:rPr lang="es-ES" i="1">
+                                      <a:solidFill>
+                                        <a:schemeClr val="bg1"/>
+                                      </a:solidFill>
+                                      <a:latin typeface="Cambria Math" panose="02040503050406030204" pitchFamily="18" charset="0"/>
+                                    </a:rPr>
+                                    <m:t>𝑡</m:t>
+                                  </m:r>
+                                </m:sup>
+                              </m:sSup>
+                              <m:sSubSup>
+                                <m:sSubSupPr>
+                                  <m:ctrlPr>
+                                    <a:rPr lang="es-ES" b="0" i="0" smtClean="0">
+                                      <a:solidFill>
+                                        <a:schemeClr val="bg1"/>
+                                      </a:solidFill>
+                                      <a:latin typeface="Cambria Math" panose="02040503050406030204" pitchFamily="18" charset="0"/>
+                                    </a:rPr>
+                                  </m:ctrlPr>
+                                </m:sSubSupPr>
+                                <m:e>
+                                  <m:r>
+                                    <m:rPr>
+                                      <m:sty m:val="p"/>
+                                    </m:rPr>
+                                    <a:rPr lang="es-ES">
+                                      <a:solidFill>
+                                        <a:schemeClr val="bg1"/>
+                                      </a:solidFill>
+                                      <a:latin typeface="Cambria Math" panose="02040503050406030204" pitchFamily="18" charset="0"/>
+                                    </a:rPr>
+                                    <m:t>Σ</m:t>
+                                  </m:r>
+                                </m:e>
+                                <m:sub>
+                                  <m:r>
+                                    <m:rPr>
+                                      <m:sty m:val="p"/>
+                                    </m:rPr>
+                                    <a:rPr lang="es-ES" b="0" i="0" smtClean="0">
+                                      <a:solidFill>
+                                        <a:schemeClr val="bg1"/>
+                                      </a:solidFill>
+                                      <a:latin typeface="Cambria Math" panose="02040503050406030204" pitchFamily="18" charset="0"/>
+                                    </a:rPr>
+                                    <m:t>x</m:t>
+                                  </m:r>
+                                </m:sub>
+                                <m:sup>
+                                  <m:r>
+                                    <a:rPr lang="es-ES" i="1">
+                                      <a:solidFill>
+                                        <a:schemeClr val="bg1"/>
+                                      </a:solidFill>
+                                      <a:latin typeface="Cambria Math" panose="02040503050406030204" pitchFamily="18" charset="0"/>
+                                    </a:rPr>
+                                    <m:t>−1</m:t>
+                                  </m:r>
+                                </m:sup>
+                              </m:sSubSup>
+                              <m:d>
+                                <m:dPr>
+                                  <m:ctrlPr>
+                                    <a:rPr lang="es-ES" i="1">
+                                      <a:solidFill>
+                                        <a:schemeClr val="bg1"/>
+                                      </a:solidFill>
+                                      <a:latin typeface="Cambria Math" panose="02040503050406030204" pitchFamily="18" charset="0"/>
+                                    </a:rPr>
+                                  </m:ctrlPr>
+                                </m:dPr>
+                                <m:e>
+                                  <m:r>
+                                    <a:rPr lang="es-ES" b="1" i="0" smtClean="0">
+                                      <a:solidFill>
+                                        <a:schemeClr val="bg1"/>
+                                      </a:solidFill>
+                                      <a:latin typeface="Cambria Math" panose="02040503050406030204" pitchFamily="18" charset="0"/>
+                                    </a:rPr>
+                                    <m:t>𝐱</m:t>
+                                  </m:r>
+                                  <m:r>
+                                    <a:rPr lang="es-ES" i="1">
+                                      <a:solidFill>
+                                        <a:schemeClr val="bg1"/>
+                                      </a:solidFill>
+                                      <a:latin typeface="Cambria Math" panose="02040503050406030204" pitchFamily="18" charset="0"/>
+                                    </a:rPr>
+                                    <m:t>−</m:t>
+                                  </m:r>
+                                  <m:sSub>
+                                    <m:sSubPr>
+                                      <m:ctrlPr>
+                                        <a:rPr lang="es-ES" b="0" i="1" smtClean="0">
+                                          <a:solidFill>
+                                            <a:schemeClr val="bg1"/>
+                                          </a:solidFill>
+                                          <a:latin typeface="Cambria Math" panose="02040503050406030204" pitchFamily="18" charset="0"/>
+                                        </a:rPr>
+                                      </m:ctrlPr>
+                                    </m:sSubPr>
+                                    <m:e>
+                                      <m:r>
+                                        <a:rPr lang="es-ES" b="1" i="1">
+                                          <a:solidFill>
+                                            <a:schemeClr val="bg1"/>
+                                          </a:solidFill>
+                                          <a:latin typeface="Cambria Math" panose="02040503050406030204" pitchFamily="18" charset="0"/>
+                                        </a:rPr>
+                                        <m:t>𝝁</m:t>
+                                      </m:r>
+                                    </m:e>
+                                    <m:sub>
+                                      <m:r>
+                                        <m:rPr>
+                                          <m:sty m:val="p"/>
+                                        </m:rPr>
+                                        <a:rPr lang="es-ES" b="0" i="0" smtClean="0">
+                                          <a:solidFill>
+                                            <a:schemeClr val="bg1"/>
+                                          </a:solidFill>
+                                          <a:latin typeface="Cambria Math" panose="02040503050406030204" pitchFamily="18" charset="0"/>
+                                        </a:rPr>
+                                        <m:t>x</m:t>
+                                      </m:r>
+                                    </m:sub>
+                                  </m:sSub>
+                                </m:e>
+                              </m:d>
+                            </m:e>
+                          </m:d>
+                        </m:e>
+                      </m:func>
+                      <m:r>
+                        <a:rPr lang="es-ES" b="0" i="1" smtClean="0">
+                          <a:solidFill>
+                            <a:schemeClr val="bg1"/>
+                          </a:solidFill>
+                          <a:latin typeface="Cambria Math" panose="02040503050406030204" pitchFamily="18" charset="0"/>
+                        </a:rPr>
+                        <m:t>=</m:t>
+                      </m:r>
+                      <m:r>
+                        <a:rPr lang="es-ES" b="0" i="1" smtClean="0">
+                          <a:solidFill>
+                            <a:schemeClr val="bg1"/>
+                          </a:solidFill>
+                          <a:latin typeface="Cambria Math" panose="02040503050406030204" pitchFamily="18" charset="0"/>
+                        </a:rPr>
+                        <m:t>𝑘</m:t>
+                      </m:r>
+                    </m:oMath>
+                  </m:oMathPara>
+                </a14:m>
+                <a:endParaRPr lang="es-ES" dirty="0">
+                  <a:solidFill>
+                    <a:schemeClr val="bg1"/>
+                  </a:solidFill>
+                </a:endParaRPr>
+              </a:p>
+              <a:p>
+                <a:pPr marL="0" indent="0" algn="ctr">
+                  <a:lnSpc>
+                    <a:spcPct val="150000"/>
+                  </a:lnSpc>
+                  <a:spcAft>
+                    <a:spcPts val="1800"/>
+                  </a:spcAft>
+                  <a:buNone/>
+                </a:pPr>
+                <a14:m>
+                  <m:oMathPara xmlns:m="http://schemas.openxmlformats.org/officeDocument/2006/math">
+                    <m:oMathParaPr>
+                      <m:jc m:val="centerGroup"/>
+                    </m:oMathParaPr>
+                    <m:oMath xmlns:m="http://schemas.openxmlformats.org/officeDocument/2006/math">
+                      <m:func>
+                        <m:funcPr>
+                          <m:ctrlPr>
+                            <a:rPr lang="es-ES" i="1">
+                              <a:solidFill>
+                                <a:schemeClr val="bg1"/>
+                              </a:solidFill>
+                              <a:latin typeface="Cambria Math" panose="02040503050406030204" pitchFamily="18" charset="0"/>
+                            </a:rPr>
+                          </m:ctrlPr>
+                        </m:funcPr>
+                        <m:fName>
+                          <m:r>
+                            <m:rPr>
+                              <m:sty m:val="p"/>
+                            </m:rPr>
+                            <a:rPr lang="es-ES">
+                              <a:solidFill>
+                                <a:schemeClr val="bg1"/>
+                              </a:solidFill>
+                              <a:latin typeface="Cambria Math" panose="02040503050406030204" pitchFamily="18" charset="0"/>
+                            </a:rPr>
+                            <m:t>exp</m:t>
+                          </m:r>
+                        </m:fName>
+                        <m:e>
+                          <m:d>
+                            <m:dPr>
+                              <m:begChr m:val="{"/>
+                              <m:endChr m:val="}"/>
+                              <m:ctrlPr>
+                                <a:rPr lang="es-ES" i="1">
+                                  <a:solidFill>
+                                    <a:schemeClr val="bg1"/>
+                                  </a:solidFill>
+                                  <a:latin typeface="Cambria Math" panose="02040503050406030204" pitchFamily="18" charset="0"/>
+                                </a:rPr>
+                              </m:ctrlPr>
+                            </m:dPr>
+                            <m:e>
+                              <m:r>
+                                <a:rPr lang="es-ES" i="1">
+                                  <a:solidFill>
+                                    <a:schemeClr val="bg1"/>
+                                  </a:solidFill>
+                                  <a:latin typeface="Cambria Math" panose="02040503050406030204" pitchFamily="18" charset="0"/>
+                                </a:rPr>
+                                <m:t>−</m:t>
+                              </m:r>
+                              <m:f>
+                                <m:fPr>
+                                  <m:ctrlPr>
+                                    <a:rPr lang="es-ES" i="1">
+                                      <a:solidFill>
+                                        <a:schemeClr val="bg1"/>
+                                      </a:solidFill>
+                                      <a:latin typeface="Cambria Math" panose="02040503050406030204" pitchFamily="18" charset="0"/>
+                                    </a:rPr>
+                                  </m:ctrlPr>
+                                </m:fPr>
+                                <m:num>
+                                  <m:r>
+                                    <a:rPr lang="es-ES" i="1">
+                                      <a:solidFill>
+                                        <a:schemeClr val="bg1"/>
+                                      </a:solidFill>
+                                      <a:latin typeface="Cambria Math" panose="02040503050406030204" pitchFamily="18" charset="0"/>
+                                    </a:rPr>
+                                    <m:t>1</m:t>
+                                  </m:r>
+                                </m:num>
+                                <m:den>
+                                  <m:r>
+                                    <a:rPr lang="es-ES" i="1">
+                                      <a:solidFill>
+                                        <a:schemeClr val="bg1"/>
+                                      </a:solidFill>
+                                      <a:latin typeface="Cambria Math" panose="02040503050406030204" pitchFamily="18" charset="0"/>
+                                    </a:rPr>
+                                    <m:t>2</m:t>
+                                  </m:r>
+                                </m:den>
+                              </m:f>
+                              <m:sSup>
+                                <m:sSupPr>
+                                  <m:ctrlPr>
+                                    <a:rPr lang="es-ES" i="1">
+                                      <a:solidFill>
+                                        <a:schemeClr val="bg1"/>
+                                      </a:solidFill>
+                                      <a:latin typeface="Cambria Math" panose="02040503050406030204" pitchFamily="18" charset="0"/>
+                                    </a:rPr>
+                                  </m:ctrlPr>
+                                </m:sSupPr>
+                                <m:e>
+                                  <m:d>
+                                    <m:dPr>
+                                      <m:ctrlPr>
+                                        <a:rPr lang="es-ES" i="1">
+                                          <a:solidFill>
+                                            <a:schemeClr val="bg1"/>
+                                          </a:solidFill>
+                                          <a:latin typeface="Cambria Math" panose="02040503050406030204" pitchFamily="18" charset="0"/>
+                                        </a:rPr>
+                                      </m:ctrlPr>
+                                    </m:dPr>
+                                    <m:e>
+                                      <m:r>
+                                        <a:rPr lang="es-ES" b="1">
+                                          <a:solidFill>
+                                            <a:schemeClr val="bg1"/>
+                                          </a:solidFill>
+                                          <a:latin typeface="Cambria Math" panose="02040503050406030204" pitchFamily="18" charset="0"/>
+                                        </a:rPr>
+                                        <m:t>𝐱</m:t>
+                                      </m:r>
+                                      <m:r>
+                                        <a:rPr lang="es-ES" i="1">
+                                          <a:solidFill>
+                                            <a:schemeClr val="bg1"/>
+                                          </a:solidFill>
+                                          <a:latin typeface="Cambria Math" panose="02040503050406030204" pitchFamily="18" charset="0"/>
+                                        </a:rPr>
+                                        <m:t>−</m:t>
+                                      </m:r>
+                                      <m:sSub>
+                                        <m:sSubPr>
+                                          <m:ctrlPr>
+                                            <a:rPr lang="es-ES" i="1">
+                                              <a:solidFill>
+                                                <a:schemeClr val="bg1"/>
+                                              </a:solidFill>
+                                              <a:latin typeface="Cambria Math" panose="02040503050406030204" pitchFamily="18" charset="0"/>
+                                            </a:rPr>
+                                          </m:ctrlPr>
+                                        </m:sSubPr>
+                                        <m:e>
+                                          <m:r>
+                                            <a:rPr lang="es-ES" b="1" i="1">
+                                              <a:solidFill>
+                                                <a:schemeClr val="bg1"/>
+                                              </a:solidFill>
+                                              <a:latin typeface="Cambria Math" panose="02040503050406030204" pitchFamily="18" charset="0"/>
+                                            </a:rPr>
+                                            <m:t>𝝁</m:t>
+                                          </m:r>
+                                        </m:e>
+                                        <m:sub>
+                                          <m:r>
+                                            <m:rPr>
+                                              <m:sty m:val="p"/>
+                                            </m:rPr>
+                                            <a:rPr lang="es-ES">
+                                              <a:solidFill>
+                                                <a:schemeClr val="bg1"/>
+                                              </a:solidFill>
+                                              <a:latin typeface="Cambria Math" panose="02040503050406030204" pitchFamily="18" charset="0"/>
+                                            </a:rPr>
+                                            <m:t>x</m:t>
+                                          </m:r>
+                                        </m:sub>
+                                      </m:sSub>
+                                    </m:e>
+                                  </m:d>
+                                </m:e>
+                                <m:sup>
+                                  <m:r>
+                                    <a:rPr lang="es-ES" i="1">
+                                      <a:solidFill>
+                                        <a:schemeClr val="bg1"/>
+                                      </a:solidFill>
+                                      <a:latin typeface="Cambria Math" panose="02040503050406030204" pitchFamily="18" charset="0"/>
+                                    </a:rPr>
+                                    <m:t>𝑡</m:t>
+                                  </m:r>
+                                </m:sup>
+                              </m:sSup>
+                              <m:sSubSup>
+                                <m:sSubSupPr>
+                                  <m:ctrlPr>
+                                    <a:rPr lang="es-ES" i="1">
+                                      <a:solidFill>
+                                        <a:schemeClr val="bg1"/>
+                                      </a:solidFill>
+                                      <a:latin typeface="Cambria Math" panose="02040503050406030204" pitchFamily="18" charset="0"/>
+                                    </a:rPr>
+                                  </m:ctrlPr>
+                                </m:sSubSupPr>
+                                <m:e>
+                                  <m:r>
+                                    <m:rPr>
+                                      <m:sty m:val="p"/>
+                                    </m:rPr>
+                                    <a:rPr lang="es-ES">
+                                      <a:solidFill>
+                                        <a:schemeClr val="bg1"/>
+                                      </a:solidFill>
+                                      <a:latin typeface="Cambria Math" panose="02040503050406030204" pitchFamily="18" charset="0"/>
+                                    </a:rPr>
+                                    <m:t>Σ</m:t>
+                                  </m:r>
+                                </m:e>
+                                <m:sub>
+                                  <m:r>
+                                    <m:rPr>
+                                      <m:sty m:val="p"/>
+                                    </m:rPr>
+                                    <a:rPr lang="es-ES">
+                                      <a:solidFill>
+                                        <a:schemeClr val="bg1"/>
+                                      </a:solidFill>
+                                      <a:latin typeface="Cambria Math" panose="02040503050406030204" pitchFamily="18" charset="0"/>
+                                    </a:rPr>
+                                    <m:t>x</m:t>
+                                  </m:r>
+                                </m:sub>
+                                <m:sup>
+                                  <m:r>
+                                    <a:rPr lang="es-ES" i="1">
+                                      <a:solidFill>
+                                        <a:schemeClr val="bg1"/>
+                                      </a:solidFill>
+                                      <a:latin typeface="Cambria Math" panose="02040503050406030204" pitchFamily="18" charset="0"/>
+                                    </a:rPr>
+                                    <m:t>−1</m:t>
+                                  </m:r>
+                                </m:sup>
+                              </m:sSubSup>
+                              <m:d>
+                                <m:dPr>
+                                  <m:ctrlPr>
+                                    <a:rPr lang="es-ES" i="1">
+                                      <a:solidFill>
+                                        <a:schemeClr val="bg1"/>
+                                      </a:solidFill>
+                                      <a:latin typeface="Cambria Math" panose="02040503050406030204" pitchFamily="18" charset="0"/>
+                                    </a:rPr>
+                                  </m:ctrlPr>
+                                </m:dPr>
+                                <m:e>
+                                  <m:r>
+                                    <a:rPr lang="es-ES" b="1">
+                                      <a:solidFill>
+                                        <a:schemeClr val="bg1"/>
+                                      </a:solidFill>
+                                      <a:latin typeface="Cambria Math" panose="02040503050406030204" pitchFamily="18" charset="0"/>
+                                    </a:rPr>
+                                    <m:t>𝐱</m:t>
+                                  </m:r>
+                                  <m:r>
+                                    <a:rPr lang="es-ES" i="1">
+                                      <a:solidFill>
+                                        <a:schemeClr val="bg1"/>
+                                      </a:solidFill>
+                                      <a:latin typeface="Cambria Math" panose="02040503050406030204" pitchFamily="18" charset="0"/>
+                                    </a:rPr>
+                                    <m:t>−</m:t>
+                                  </m:r>
+                                  <m:sSub>
+                                    <m:sSubPr>
+                                      <m:ctrlPr>
+                                        <a:rPr lang="es-ES" i="1">
+                                          <a:solidFill>
+                                            <a:schemeClr val="bg1"/>
+                                          </a:solidFill>
+                                          <a:latin typeface="Cambria Math" panose="02040503050406030204" pitchFamily="18" charset="0"/>
+                                        </a:rPr>
+                                      </m:ctrlPr>
+                                    </m:sSubPr>
+                                    <m:e>
+                                      <m:r>
+                                        <a:rPr lang="es-ES" b="1" i="1">
+                                          <a:solidFill>
+                                            <a:schemeClr val="bg1"/>
+                                          </a:solidFill>
+                                          <a:latin typeface="Cambria Math" panose="02040503050406030204" pitchFamily="18" charset="0"/>
+                                        </a:rPr>
+                                        <m:t>𝝁</m:t>
+                                      </m:r>
+                                    </m:e>
+                                    <m:sub>
+                                      <m:r>
+                                        <m:rPr>
+                                          <m:sty m:val="p"/>
+                                        </m:rPr>
+                                        <a:rPr lang="es-ES">
+                                          <a:solidFill>
+                                            <a:schemeClr val="bg1"/>
+                                          </a:solidFill>
+                                          <a:latin typeface="Cambria Math" panose="02040503050406030204" pitchFamily="18" charset="0"/>
+                                        </a:rPr>
+                                        <m:t>x</m:t>
+                                      </m:r>
+                                    </m:sub>
+                                  </m:sSub>
+                                </m:e>
+                              </m:d>
+                            </m:e>
+                          </m:d>
+                        </m:e>
+                      </m:func>
+                      <m:r>
+                        <a:rPr lang="es-ES" i="1">
+                          <a:solidFill>
+                            <a:schemeClr val="bg1"/>
+                          </a:solidFill>
+                          <a:latin typeface="Cambria Math" panose="02040503050406030204" pitchFamily="18" charset="0"/>
+                        </a:rPr>
+                        <m:t>=</m:t>
+                      </m:r>
+                      <m:r>
+                        <a:rPr lang="es-ES" i="1">
+                          <a:solidFill>
+                            <a:schemeClr val="bg1"/>
+                          </a:solidFill>
+                          <a:latin typeface="Cambria Math" panose="02040503050406030204" pitchFamily="18" charset="0"/>
+                        </a:rPr>
+                        <m:t>𝑘</m:t>
+                      </m:r>
+                      <m:sSup>
+                        <m:sSupPr>
+                          <m:ctrlPr>
+                            <a:rPr lang="es-ES" i="1">
+                              <a:solidFill>
+                                <a:schemeClr val="bg1"/>
+                              </a:solidFill>
+                              <a:latin typeface="Cambria Math" panose="02040503050406030204" pitchFamily="18" charset="0"/>
+                            </a:rPr>
+                          </m:ctrlPr>
+                        </m:sSupPr>
+                        <m:e>
+                          <m:r>
+                            <a:rPr lang="es-ES" b="0" i="1" smtClean="0">
+                              <a:solidFill>
+                                <a:schemeClr val="bg1"/>
+                              </a:solidFill>
+                              <a:latin typeface="Cambria Math" panose="02040503050406030204" pitchFamily="18" charset="0"/>
+                            </a:rPr>
+                            <m:t> </m:t>
+                          </m:r>
+                          <m:d>
+                            <m:dPr>
+                              <m:ctrlPr>
+                                <a:rPr lang="es-ES" i="1">
+                                  <a:solidFill>
+                                    <a:schemeClr val="bg1"/>
+                                  </a:solidFill>
+                                  <a:latin typeface="Cambria Math" panose="02040503050406030204" pitchFamily="18" charset="0"/>
+                                </a:rPr>
+                              </m:ctrlPr>
+                            </m:dPr>
+                            <m:e>
+                              <m:r>
+                                <a:rPr lang="es-ES" i="1">
+                                  <a:solidFill>
+                                    <a:schemeClr val="bg1"/>
+                                  </a:solidFill>
+                                  <a:latin typeface="Cambria Math" panose="02040503050406030204" pitchFamily="18" charset="0"/>
+                                </a:rPr>
+                                <m:t>2 </m:t>
+                              </m:r>
+                              <m:r>
+                                <a:rPr lang="es-ES" i="1">
+                                  <a:solidFill>
+                                    <a:schemeClr val="bg1"/>
+                                  </a:solidFill>
+                                  <a:latin typeface="Cambria Math" panose="02040503050406030204" pitchFamily="18" charset="0"/>
+                                </a:rPr>
+                                <m:t>𝜋</m:t>
+                              </m:r>
+                            </m:e>
+                          </m:d>
+                        </m:e>
+                        <m:sup>
+                          <m:r>
+                            <a:rPr lang="es-ES" i="1">
+                              <a:solidFill>
+                                <a:schemeClr val="bg1"/>
+                              </a:solidFill>
+                              <a:latin typeface="Cambria Math" panose="02040503050406030204" pitchFamily="18" charset="0"/>
+                            </a:rPr>
+                            <m:t>𝑝</m:t>
+                          </m:r>
+                          <m:r>
+                            <a:rPr lang="es-ES" i="1">
+                              <a:solidFill>
+                                <a:schemeClr val="bg1"/>
+                              </a:solidFill>
+                              <a:latin typeface="Cambria Math" panose="02040503050406030204" pitchFamily="18" charset="0"/>
+                            </a:rPr>
+                            <m:t>/2</m:t>
+                          </m:r>
+                        </m:sup>
+                      </m:sSup>
+                      <m:sSup>
+                        <m:sSupPr>
+                          <m:ctrlPr>
+                            <a:rPr lang="es-ES" i="1">
+                              <a:solidFill>
+                                <a:schemeClr val="bg1"/>
+                              </a:solidFill>
+                              <a:latin typeface="Cambria Math" panose="02040503050406030204" pitchFamily="18" charset="0"/>
+                            </a:rPr>
+                          </m:ctrlPr>
+                        </m:sSupPr>
+                        <m:e>
+                          <m:func>
+                            <m:funcPr>
+                              <m:ctrlPr>
+                                <a:rPr lang="es-ES" i="1">
+                                  <a:solidFill>
+                                    <a:schemeClr val="bg1"/>
+                                  </a:solidFill>
+                                  <a:latin typeface="Cambria Math" panose="02040503050406030204" pitchFamily="18" charset="0"/>
+                                </a:rPr>
+                              </m:ctrlPr>
+                            </m:funcPr>
+                            <m:fName>
+                              <m:r>
+                                <m:rPr>
+                                  <m:sty m:val="p"/>
+                                </m:rPr>
+                                <a:rPr lang="es-ES">
+                                  <a:solidFill>
+                                    <a:schemeClr val="bg1"/>
+                                  </a:solidFill>
+                                  <a:latin typeface="Cambria Math" panose="02040503050406030204" pitchFamily="18" charset="0"/>
+                                </a:rPr>
+                                <m:t>det</m:t>
+                              </m:r>
+                            </m:fName>
+                            <m:e>
+                              <m:d>
+                                <m:dPr>
+                                  <m:ctrlPr>
+                                    <a:rPr lang="es-ES" i="1">
+                                      <a:solidFill>
+                                        <a:schemeClr val="bg1"/>
+                                      </a:solidFill>
+                                      <a:latin typeface="Cambria Math" panose="02040503050406030204" pitchFamily="18" charset="0"/>
+                                    </a:rPr>
+                                  </m:ctrlPr>
+                                </m:dPr>
+                                <m:e>
+                                  <m:sSub>
+                                    <m:sSubPr>
+                                      <m:ctrlPr>
+                                        <a:rPr lang="es-ES" i="1">
+                                          <a:solidFill>
+                                            <a:schemeClr val="bg1"/>
+                                          </a:solidFill>
+                                          <a:latin typeface="Cambria Math" panose="02040503050406030204" pitchFamily="18" charset="0"/>
+                                        </a:rPr>
+                                      </m:ctrlPr>
+                                    </m:sSubPr>
+                                    <m:e>
+                                      <m:r>
+                                        <m:rPr>
+                                          <m:sty m:val="p"/>
+                                        </m:rPr>
+                                        <a:rPr lang="es-ES">
+                                          <a:solidFill>
+                                            <a:schemeClr val="bg1"/>
+                                          </a:solidFill>
+                                          <a:latin typeface="Cambria Math" panose="02040503050406030204" pitchFamily="18" charset="0"/>
+                                        </a:rPr>
+                                        <m:t>Σ</m:t>
+                                      </m:r>
+                                    </m:e>
+                                    <m:sub>
+                                      <m:r>
+                                        <m:rPr>
+                                          <m:sty m:val="p"/>
+                                        </m:rPr>
+                                        <a:rPr lang="es-ES">
+                                          <a:solidFill>
+                                            <a:schemeClr val="bg1"/>
+                                          </a:solidFill>
+                                          <a:latin typeface="Cambria Math" panose="02040503050406030204" pitchFamily="18" charset="0"/>
+                                        </a:rPr>
+                                        <m:t>x</m:t>
+                                      </m:r>
+                                    </m:sub>
+                                  </m:sSub>
+                                </m:e>
+                              </m:d>
+                            </m:e>
+                          </m:func>
+                        </m:e>
+                        <m:sup>
+                          <m:r>
+                            <a:rPr lang="es-ES" i="1">
+                              <a:solidFill>
+                                <a:schemeClr val="bg1"/>
+                              </a:solidFill>
+                              <a:latin typeface="Cambria Math" panose="02040503050406030204" pitchFamily="18" charset="0"/>
+                            </a:rPr>
+                            <m:t>1/2</m:t>
+                          </m:r>
+                        </m:sup>
+                      </m:sSup>
+                    </m:oMath>
+                  </m:oMathPara>
+                </a14:m>
+                <a:endParaRPr lang="es-ES" dirty="0">
+                  <a:solidFill>
+                    <a:schemeClr val="bg1"/>
+                  </a:solidFill>
+                </a:endParaRPr>
+              </a:p>
+              <a:p>
+                <a:pPr marL="0" indent="0" algn="ctr">
+                  <a:lnSpc>
+                    <a:spcPct val="150000"/>
+                  </a:lnSpc>
+                  <a:spcAft>
+                    <a:spcPts val="1800"/>
+                  </a:spcAft>
+                  <a:buNone/>
+                </a:pPr>
+                <a14:m>
+                  <m:oMathPara xmlns:m="http://schemas.openxmlformats.org/officeDocument/2006/math">
+                    <m:oMathParaPr>
+                      <m:jc m:val="centerGroup"/>
+                    </m:oMathParaPr>
+                    <m:oMath xmlns:m="http://schemas.openxmlformats.org/officeDocument/2006/math">
+                      <m:func>
+                        <m:funcPr>
+                          <m:ctrlPr>
+                            <a:rPr lang="es-ES" i="1">
+                              <a:solidFill>
+                                <a:schemeClr val="bg1"/>
+                              </a:solidFill>
+                              <a:latin typeface="Cambria Math" panose="02040503050406030204" pitchFamily="18" charset="0"/>
+                            </a:rPr>
+                          </m:ctrlPr>
+                        </m:funcPr>
+                        <m:fName>
+                          <m:sSup>
+                            <m:sSupPr>
+                              <m:ctrlPr>
+                                <a:rPr lang="es-ES" i="1">
+                                  <a:solidFill>
+                                    <a:schemeClr val="bg1"/>
+                                  </a:solidFill>
+                                  <a:latin typeface="Cambria Math" panose="02040503050406030204" pitchFamily="18" charset="0"/>
+                                </a:rPr>
+                              </m:ctrlPr>
+                            </m:sSupPr>
+                            <m:e>
+                              <m:d>
+                                <m:dPr>
+                                  <m:ctrlPr>
+                                    <a:rPr lang="es-ES" i="1">
+                                      <a:solidFill>
+                                        <a:schemeClr val="bg1"/>
+                                      </a:solidFill>
+                                      <a:latin typeface="Cambria Math" panose="02040503050406030204" pitchFamily="18" charset="0"/>
+                                    </a:rPr>
+                                  </m:ctrlPr>
+                                </m:dPr>
+                                <m:e>
+                                  <m:r>
+                                    <a:rPr lang="es-ES" b="1">
+                                      <a:solidFill>
+                                        <a:schemeClr val="bg1"/>
+                                      </a:solidFill>
+                                      <a:latin typeface="Cambria Math" panose="02040503050406030204" pitchFamily="18" charset="0"/>
+                                    </a:rPr>
+                                    <m:t>𝐱</m:t>
+                                  </m:r>
+                                  <m:r>
+                                    <a:rPr lang="es-ES" i="1">
+                                      <a:solidFill>
+                                        <a:schemeClr val="bg1"/>
+                                      </a:solidFill>
+                                      <a:latin typeface="Cambria Math" panose="02040503050406030204" pitchFamily="18" charset="0"/>
+                                    </a:rPr>
+                                    <m:t>−</m:t>
+                                  </m:r>
+                                  <m:sSub>
+                                    <m:sSubPr>
+                                      <m:ctrlPr>
+                                        <a:rPr lang="es-ES" i="1">
+                                          <a:solidFill>
+                                            <a:schemeClr val="bg1"/>
+                                          </a:solidFill>
+                                          <a:latin typeface="Cambria Math" panose="02040503050406030204" pitchFamily="18" charset="0"/>
+                                        </a:rPr>
+                                      </m:ctrlPr>
+                                    </m:sSubPr>
+                                    <m:e>
+                                      <m:r>
+                                        <a:rPr lang="es-ES" b="1" i="1">
+                                          <a:solidFill>
+                                            <a:schemeClr val="bg1"/>
+                                          </a:solidFill>
+                                          <a:latin typeface="Cambria Math" panose="02040503050406030204" pitchFamily="18" charset="0"/>
+                                        </a:rPr>
+                                        <m:t>𝝁</m:t>
+                                      </m:r>
+                                    </m:e>
+                                    <m:sub>
+                                      <m:r>
+                                        <m:rPr>
+                                          <m:sty m:val="p"/>
+                                        </m:rPr>
+                                        <a:rPr lang="es-ES">
+                                          <a:solidFill>
+                                            <a:schemeClr val="bg1"/>
+                                          </a:solidFill>
+                                          <a:latin typeface="Cambria Math" panose="02040503050406030204" pitchFamily="18" charset="0"/>
+                                        </a:rPr>
+                                        <m:t>x</m:t>
+                                      </m:r>
+                                    </m:sub>
+                                  </m:sSub>
+                                </m:e>
+                              </m:d>
+                            </m:e>
+                            <m:sup>
+                              <m:r>
+                                <a:rPr lang="es-ES" i="1">
+                                  <a:solidFill>
+                                    <a:schemeClr val="bg1"/>
+                                  </a:solidFill>
+                                  <a:latin typeface="Cambria Math" panose="02040503050406030204" pitchFamily="18" charset="0"/>
+                                </a:rPr>
+                                <m:t>𝑡</m:t>
+                              </m:r>
+                            </m:sup>
+                          </m:sSup>
+                          <m:sSubSup>
+                            <m:sSubSupPr>
+                              <m:ctrlPr>
+                                <a:rPr lang="es-ES" i="1">
+                                  <a:solidFill>
+                                    <a:schemeClr val="bg1"/>
+                                  </a:solidFill>
+                                  <a:latin typeface="Cambria Math" panose="02040503050406030204" pitchFamily="18" charset="0"/>
+                                </a:rPr>
+                              </m:ctrlPr>
+                            </m:sSubSupPr>
+                            <m:e>
+                              <m:r>
+                                <m:rPr>
+                                  <m:sty m:val="p"/>
+                                </m:rPr>
+                                <a:rPr lang="es-ES">
+                                  <a:solidFill>
+                                    <a:schemeClr val="bg1"/>
+                                  </a:solidFill>
+                                  <a:latin typeface="Cambria Math" panose="02040503050406030204" pitchFamily="18" charset="0"/>
+                                </a:rPr>
+                                <m:t>Σ</m:t>
+                              </m:r>
+                            </m:e>
+                            <m:sub>
+                              <m:r>
+                                <m:rPr>
+                                  <m:sty m:val="p"/>
+                                </m:rPr>
+                                <a:rPr lang="es-ES">
+                                  <a:solidFill>
+                                    <a:schemeClr val="bg1"/>
+                                  </a:solidFill>
+                                  <a:latin typeface="Cambria Math" panose="02040503050406030204" pitchFamily="18" charset="0"/>
+                                </a:rPr>
+                                <m:t>x</m:t>
+                              </m:r>
+                            </m:sub>
+                            <m:sup>
+                              <m:r>
+                                <a:rPr lang="es-ES" i="1">
+                                  <a:solidFill>
+                                    <a:schemeClr val="bg1"/>
+                                  </a:solidFill>
+                                  <a:latin typeface="Cambria Math" panose="02040503050406030204" pitchFamily="18" charset="0"/>
+                                </a:rPr>
+                                <m:t>−1</m:t>
+                              </m:r>
+                            </m:sup>
+                          </m:sSubSup>
+                          <m:d>
+                            <m:dPr>
+                              <m:ctrlPr>
+                                <a:rPr lang="es-ES" i="1">
+                                  <a:solidFill>
+                                    <a:schemeClr val="bg1"/>
+                                  </a:solidFill>
+                                  <a:latin typeface="Cambria Math" panose="02040503050406030204" pitchFamily="18" charset="0"/>
+                                </a:rPr>
+                              </m:ctrlPr>
+                            </m:dPr>
+                            <m:e>
+                              <m:r>
+                                <a:rPr lang="es-ES" b="1">
+                                  <a:solidFill>
+                                    <a:schemeClr val="bg1"/>
+                                  </a:solidFill>
+                                  <a:latin typeface="Cambria Math" panose="02040503050406030204" pitchFamily="18" charset="0"/>
+                                </a:rPr>
+                                <m:t>𝐱</m:t>
+                              </m:r>
+                              <m:r>
+                                <a:rPr lang="es-ES" i="1">
+                                  <a:solidFill>
+                                    <a:schemeClr val="bg1"/>
+                                  </a:solidFill>
+                                  <a:latin typeface="Cambria Math" panose="02040503050406030204" pitchFamily="18" charset="0"/>
+                                </a:rPr>
+                                <m:t>−</m:t>
+                              </m:r>
+                              <m:sSub>
+                                <m:sSubPr>
+                                  <m:ctrlPr>
+                                    <a:rPr lang="es-ES" i="1">
+                                      <a:solidFill>
+                                        <a:schemeClr val="bg1"/>
+                                      </a:solidFill>
+                                      <a:latin typeface="Cambria Math" panose="02040503050406030204" pitchFamily="18" charset="0"/>
+                                    </a:rPr>
+                                  </m:ctrlPr>
+                                </m:sSubPr>
+                                <m:e>
+                                  <m:r>
+                                    <a:rPr lang="es-ES" b="1" i="1">
+                                      <a:solidFill>
+                                        <a:schemeClr val="bg1"/>
+                                      </a:solidFill>
+                                      <a:latin typeface="Cambria Math" panose="02040503050406030204" pitchFamily="18" charset="0"/>
+                                    </a:rPr>
+                                    <m:t>𝝁</m:t>
+                                  </m:r>
+                                </m:e>
+                                <m:sub>
+                                  <m:r>
+                                    <m:rPr>
+                                      <m:sty m:val="p"/>
+                                    </m:rPr>
+                                    <a:rPr lang="es-ES">
+                                      <a:solidFill>
+                                        <a:schemeClr val="bg1"/>
+                                      </a:solidFill>
+                                      <a:latin typeface="Cambria Math" panose="02040503050406030204" pitchFamily="18" charset="0"/>
+                                    </a:rPr>
+                                    <m:t>x</m:t>
+                                  </m:r>
+                                </m:sub>
+                              </m:sSub>
+                            </m:e>
+                          </m:d>
+                        </m:fName>
+                        <m:e>
+                          <m:r>
+                            <a:rPr lang="es-ES" b="0" i="1" smtClean="0">
+                              <a:solidFill>
+                                <a:schemeClr val="bg1"/>
+                              </a:solidFill>
+                              <a:latin typeface="Cambria Math" panose="02040503050406030204" pitchFamily="18" charset="0"/>
+                            </a:rPr>
+                            <m:t>=</m:t>
+                          </m:r>
+                          <m:r>
+                            <a:rPr lang="es-ES" b="0" i="1" smtClean="0">
+                              <a:solidFill>
+                                <a:srgbClr val="FFC000"/>
+                              </a:solidFill>
+                              <a:latin typeface="Cambria Math" panose="02040503050406030204" pitchFamily="18" charset="0"/>
+                            </a:rPr>
+                            <m:t>−2</m:t>
+                          </m:r>
+                          <m:r>
+                            <a:rPr lang="es-ES" i="1">
+                              <a:solidFill>
+                                <a:srgbClr val="FFC000"/>
+                              </a:solidFill>
+                              <a:latin typeface="Cambria Math" panose="02040503050406030204" pitchFamily="18" charset="0"/>
+                            </a:rPr>
+                            <m:t>𝑘</m:t>
+                          </m:r>
+                          <m:sSup>
+                            <m:sSupPr>
+                              <m:ctrlPr>
+                                <a:rPr lang="es-ES" i="1">
+                                  <a:solidFill>
+                                    <a:srgbClr val="FFC000"/>
+                                  </a:solidFill>
+                                  <a:latin typeface="Cambria Math" panose="02040503050406030204" pitchFamily="18" charset="0"/>
+                                </a:rPr>
+                              </m:ctrlPr>
+                            </m:sSupPr>
+                            <m:e>
+                              <m:r>
+                                <a:rPr lang="es-ES" i="1">
+                                  <a:solidFill>
+                                    <a:srgbClr val="FFC000"/>
+                                  </a:solidFill>
+                                  <a:latin typeface="Cambria Math" panose="02040503050406030204" pitchFamily="18" charset="0"/>
+                                </a:rPr>
+                                <m:t> </m:t>
+                              </m:r>
+                              <m:d>
+                                <m:dPr>
+                                  <m:ctrlPr>
+                                    <a:rPr lang="es-ES" i="1">
+                                      <a:solidFill>
+                                        <a:srgbClr val="FFC000"/>
+                                      </a:solidFill>
+                                      <a:latin typeface="Cambria Math" panose="02040503050406030204" pitchFamily="18" charset="0"/>
+                                    </a:rPr>
+                                  </m:ctrlPr>
+                                </m:dPr>
+                                <m:e>
+                                  <m:r>
+                                    <a:rPr lang="es-ES" i="1">
+                                      <a:solidFill>
+                                        <a:srgbClr val="FFC000"/>
+                                      </a:solidFill>
+                                      <a:latin typeface="Cambria Math" panose="02040503050406030204" pitchFamily="18" charset="0"/>
+                                    </a:rPr>
+                                    <m:t>2 </m:t>
+                                  </m:r>
+                                  <m:r>
+                                    <a:rPr lang="es-ES" i="1">
+                                      <a:solidFill>
+                                        <a:srgbClr val="FFC000"/>
+                                      </a:solidFill>
+                                      <a:latin typeface="Cambria Math" panose="02040503050406030204" pitchFamily="18" charset="0"/>
+                                    </a:rPr>
+                                    <m:t>𝜋</m:t>
+                                  </m:r>
+                                </m:e>
+                              </m:d>
+                            </m:e>
+                            <m:sup>
+                              <m:f>
+                                <m:fPr>
+                                  <m:type m:val="lin"/>
+                                  <m:ctrlPr>
+                                    <a:rPr lang="es-ES" i="1">
+                                      <a:solidFill>
+                                        <a:srgbClr val="FFC000"/>
+                                      </a:solidFill>
+                                      <a:latin typeface="Cambria Math" panose="02040503050406030204" pitchFamily="18" charset="0"/>
+                                    </a:rPr>
+                                  </m:ctrlPr>
+                                </m:fPr>
+                                <m:num>
+                                  <m:r>
+                                    <a:rPr lang="es-ES" i="1">
+                                      <a:solidFill>
+                                        <a:srgbClr val="FFC000"/>
+                                      </a:solidFill>
+                                      <a:latin typeface="Cambria Math" panose="02040503050406030204" pitchFamily="18" charset="0"/>
+                                    </a:rPr>
+                                    <m:t>𝑝</m:t>
+                                  </m:r>
+                                </m:num>
+                                <m:den>
+                                  <m:r>
+                                    <a:rPr lang="es-ES" i="1">
+                                      <a:solidFill>
+                                        <a:srgbClr val="FFC000"/>
+                                      </a:solidFill>
+                                      <a:latin typeface="Cambria Math" panose="02040503050406030204" pitchFamily="18" charset="0"/>
+                                    </a:rPr>
+                                    <m:t>2</m:t>
+                                  </m:r>
+                                </m:den>
+                              </m:f>
+                            </m:sup>
+                          </m:sSup>
+                          <m:sSup>
+                            <m:sSupPr>
+                              <m:ctrlPr>
+                                <a:rPr lang="es-ES" i="1">
+                                  <a:solidFill>
+                                    <a:srgbClr val="FFC000"/>
+                                  </a:solidFill>
+                                  <a:latin typeface="Cambria Math" panose="02040503050406030204" pitchFamily="18" charset="0"/>
+                                </a:rPr>
+                              </m:ctrlPr>
+                            </m:sSupPr>
+                            <m:e>
+                              <m:func>
+                                <m:funcPr>
+                                  <m:ctrlPr>
+                                    <a:rPr lang="es-ES" i="1">
+                                      <a:solidFill>
+                                        <a:srgbClr val="FFC000"/>
+                                      </a:solidFill>
+                                      <a:latin typeface="Cambria Math" panose="02040503050406030204" pitchFamily="18" charset="0"/>
+                                    </a:rPr>
+                                  </m:ctrlPr>
+                                </m:funcPr>
+                                <m:fName>
+                                  <m:r>
+                                    <m:rPr>
+                                      <m:sty m:val="p"/>
+                                    </m:rPr>
+                                    <a:rPr lang="es-ES">
+                                      <a:solidFill>
+                                        <a:srgbClr val="FFC000"/>
+                                      </a:solidFill>
+                                      <a:latin typeface="Cambria Math" panose="02040503050406030204" pitchFamily="18" charset="0"/>
+                                    </a:rPr>
+                                    <m:t>det</m:t>
+                                  </m:r>
+                                </m:fName>
+                                <m:e>
+                                  <m:d>
+                                    <m:dPr>
+                                      <m:ctrlPr>
+                                        <a:rPr lang="es-ES" i="1">
+                                          <a:solidFill>
+                                            <a:srgbClr val="FFC000"/>
+                                          </a:solidFill>
+                                          <a:latin typeface="Cambria Math" panose="02040503050406030204" pitchFamily="18" charset="0"/>
+                                        </a:rPr>
+                                      </m:ctrlPr>
+                                    </m:dPr>
+                                    <m:e>
+                                      <m:sSub>
+                                        <m:sSubPr>
+                                          <m:ctrlPr>
+                                            <a:rPr lang="es-ES" i="1">
+                                              <a:solidFill>
+                                                <a:srgbClr val="FFC000"/>
+                                              </a:solidFill>
+                                              <a:latin typeface="Cambria Math" panose="02040503050406030204" pitchFamily="18" charset="0"/>
+                                            </a:rPr>
+                                          </m:ctrlPr>
+                                        </m:sSubPr>
+                                        <m:e>
+                                          <m:r>
+                                            <m:rPr>
+                                              <m:sty m:val="p"/>
+                                            </m:rPr>
+                                            <a:rPr lang="es-ES">
+                                              <a:solidFill>
+                                                <a:srgbClr val="FFC000"/>
+                                              </a:solidFill>
+                                              <a:latin typeface="Cambria Math" panose="02040503050406030204" pitchFamily="18" charset="0"/>
+                                            </a:rPr>
+                                            <m:t>Σ</m:t>
+                                          </m:r>
+                                        </m:e>
+                                        <m:sub>
+                                          <m:r>
+                                            <m:rPr>
+                                              <m:sty m:val="p"/>
+                                            </m:rPr>
+                                            <a:rPr lang="es-ES">
+                                              <a:solidFill>
+                                                <a:srgbClr val="FFC000"/>
+                                              </a:solidFill>
+                                              <a:latin typeface="Cambria Math" panose="02040503050406030204" pitchFamily="18" charset="0"/>
+                                            </a:rPr>
+                                            <m:t>x</m:t>
+                                          </m:r>
+                                        </m:sub>
+                                      </m:sSub>
+                                    </m:e>
+                                  </m:d>
+                                </m:e>
+                              </m:func>
+                            </m:e>
+                            <m:sup>
+                              <m:f>
+                                <m:fPr>
+                                  <m:type m:val="lin"/>
+                                  <m:ctrlPr>
+                                    <a:rPr lang="es-ES" i="1">
+                                      <a:solidFill>
+                                        <a:srgbClr val="FFC000"/>
+                                      </a:solidFill>
+                                      <a:latin typeface="Cambria Math" panose="02040503050406030204" pitchFamily="18" charset="0"/>
+                                    </a:rPr>
+                                  </m:ctrlPr>
+                                </m:fPr>
+                                <m:num>
+                                  <m:r>
+                                    <a:rPr lang="es-ES" i="1">
+                                      <a:solidFill>
+                                        <a:srgbClr val="FFC000"/>
+                                      </a:solidFill>
+                                      <a:latin typeface="Cambria Math" panose="02040503050406030204" pitchFamily="18" charset="0"/>
+                                    </a:rPr>
+                                    <m:t>1</m:t>
+                                  </m:r>
+                                </m:num>
+                                <m:den>
+                                  <m:r>
+                                    <a:rPr lang="es-ES" i="1">
+                                      <a:solidFill>
+                                        <a:srgbClr val="FFC000"/>
+                                      </a:solidFill>
+                                      <a:latin typeface="Cambria Math" panose="02040503050406030204" pitchFamily="18" charset="0"/>
+                                    </a:rPr>
+                                    <m:t>2</m:t>
+                                  </m:r>
+                                </m:den>
+                              </m:f>
+                            </m:sup>
+                          </m:sSup>
+                          <m:r>
+                            <a:rPr lang="es-ES" b="0" i="1" smtClean="0">
+                              <a:solidFill>
+                                <a:srgbClr val="FFC000"/>
+                              </a:solidFill>
+                              <a:latin typeface="Cambria Math" panose="02040503050406030204" pitchFamily="18" charset="0"/>
+                            </a:rPr>
+                            <m:t>=</m:t>
+                          </m:r>
+                          <m:r>
+                            <a:rPr lang="es-ES" b="0" i="1" smtClean="0">
+                              <a:solidFill>
+                                <a:srgbClr val="FFC000"/>
+                              </a:solidFill>
+                              <a:latin typeface="Cambria Math" panose="02040503050406030204" pitchFamily="18" charset="0"/>
+                            </a:rPr>
+                            <m:t>𝑐</m:t>
+                          </m:r>
+                        </m:e>
+                      </m:func>
+                    </m:oMath>
+                  </m:oMathPara>
+                </a14:m>
+                <a:endParaRPr lang="es-ES" dirty="0">
+                  <a:solidFill>
+                    <a:schemeClr val="bg1"/>
+                  </a:solidFill>
+                </a:endParaRPr>
+              </a:p>
+              <a:p>
+                <a:pPr marL="0" indent="0" algn="ctr">
+                  <a:lnSpc>
+                    <a:spcPct val="150000"/>
+                  </a:lnSpc>
+                  <a:spcAft>
+                    <a:spcPts val="1800"/>
+                  </a:spcAft>
+                  <a:buNone/>
+                </a:pPr>
+                <a14:m>
+                  <m:oMathPara xmlns:m="http://schemas.openxmlformats.org/officeDocument/2006/math">
+                    <m:oMathParaPr>
+                      <m:jc m:val="centerGroup"/>
+                    </m:oMathParaPr>
+                    <m:oMath xmlns:m="http://schemas.openxmlformats.org/officeDocument/2006/math">
+                      <m:sSup>
+                        <m:sSupPr>
+                          <m:ctrlPr>
+                            <a:rPr lang="es-ES" i="1" smtClean="0">
+                              <a:solidFill>
+                                <a:srgbClr val="92D050"/>
+                              </a:solidFill>
+                              <a:latin typeface="Cambria Math" panose="02040503050406030204" pitchFamily="18" charset="0"/>
+                            </a:rPr>
+                          </m:ctrlPr>
+                        </m:sSupPr>
+                        <m:e>
+                          <m:sSub>
+                            <m:sSubPr>
+                              <m:ctrlPr>
+                                <a:rPr lang="es-ES" i="1">
+                                  <a:solidFill>
+                                    <a:srgbClr val="92D050"/>
+                                  </a:solidFill>
+                                  <a:latin typeface="Cambria Math" panose="02040503050406030204" pitchFamily="18" charset="0"/>
+                                </a:rPr>
+                              </m:ctrlPr>
+                            </m:sSubPr>
+                            <m:e>
+                              <m:r>
+                                <a:rPr lang="es-ES" i="1">
+                                  <a:solidFill>
+                                    <a:srgbClr val="92D050"/>
+                                  </a:solidFill>
+                                  <a:latin typeface="Cambria Math" panose="02040503050406030204" pitchFamily="18" charset="0"/>
+                                </a:rPr>
+                                <m:t>(</m:t>
+                              </m:r>
+                              <m:r>
+                                <a:rPr lang="es-ES" b="1">
+                                  <a:solidFill>
+                                    <a:srgbClr val="92D050"/>
+                                  </a:solidFill>
+                                  <a:latin typeface="Cambria Math" panose="02040503050406030204" pitchFamily="18" charset="0"/>
+                                </a:rPr>
+                                <m:t>𝐱</m:t>
+                              </m:r>
+                              <m:r>
+                                <a:rPr lang="es-ES" i="1">
+                                  <a:solidFill>
+                                    <a:srgbClr val="92D050"/>
+                                  </a:solidFill>
+                                  <a:latin typeface="Cambria Math" panose="02040503050406030204" pitchFamily="18" charset="0"/>
+                                </a:rPr>
+                                <m:t>−</m:t>
+                              </m:r>
+                              <m:r>
+                                <a:rPr lang="es-ES" b="1" i="1">
+                                  <a:solidFill>
+                                    <a:srgbClr val="92D050"/>
+                                  </a:solidFill>
+                                  <a:latin typeface="Cambria Math" panose="02040503050406030204" pitchFamily="18" charset="0"/>
+                                </a:rPr>
+                                <m:t>𝝁</m:t>
+                              </m:r>
+                            </m:e>
+                            <m:sub>
+                              <m:r>
+                                <m:rPr>
+                                  <m:sty m:val="p"/>
+                                </m:rPr>
+                                <a:rPr lang="es-ES">
+                                  <a:solidFill>
+                                    <a:srgbClr val="92D050"/>
+                                  </a:solidFill>
+                                  <a:latin typeface="Cambria Math" panose="02040503050406030204" pitchFamily="18" charset="0"/>
+                                </a:rPr>
+                                <m:t>x</m:t>
+                              </m:r>
+                            </m:sub>
+                          </m:sSub>
+                          <m:r>
+                            <a:rPr lang="es-ES" i="1">
+                              <a:solidFill>
+                                <a:srgbClr val="92D050"/>
+                              </a:solidFill>
+                              <a:latin typeface="Cambria Math" panose="02040503050406030204" pitchFamily="18" charset="0"/>
+                            </a:rPr>
+                            <m:t>)</m:t>
+                          </m:r>
+                        </m:e>
+                        <m:sup>
+                          <m:r>
+                            <a:rPr lang="es-ES" i="1">
+                              <a:solidFill>
+                                <a:srgbClr val="92D050"/>
+                              </a:solidFill>
+                              <a:latin typeface="Cambria Math" panose="02040503050406030204" pitchFamily="18" charset="0"/>
+                            </a:rPr>
+                            <m:t>𝑡</m:t>
+                          </m:r>
+                        </m:sup>
+                      </m:sSup>
+                      <m:sSubSup>
+                        <m:sSubSupPr>
+                          <m:ctrlPr>
+                            <a:rPr lang="es-ES" i="1">
+                              <a:solidFill>
+                                <a:srgbClr val="92D050"/>
+                              </a:solidFill>
+                              <a:latin typeface="Cambria Math" panose="02040503050406030204" pitchFamily="18" charset="0"/>
+                            </a:rPr>
+                          </m:ctrlPr>
+                        </m:sSubSupPr>
+                        <m:e>
+                          <m:r>
+                            <a:rPr lang="es-ES">
+                              <a:solidFill>
+                                <a:srgbClr val="92D050"/>
+                              </a:solidFill>
+                              <a:latin typeface="Cambria Math" panose="02040503050406030204" pitchFamily="18" charset="0"/>
+                            </a:rPr>
+                            <m:t> </m:t>
+                          </m:r>
+                          <m:r>
+                            <m:rPr>
+                              <m:sty m:val="p"/>
+                            </m:rPr>
+                            <a:rPr lang="es-ES">
+                              <a:solidFill>
+                                <a:srgbClr val="92D050"/>
+                              </a:solidFill>
+                              <a:latin typeface="Cambria Math" panose="02040503050406030204" pitchFamily="18" charset="0"/>
+                            </a:rPr>
+                            <m:t>Σ</m:t>
+                          </m:r>
+                        </m:e>
+                        <m:sub>
+                          <m:r>
+                            <m:rPr>
+                              <m:sty m:val="p"/>
+                            </m:rPr>
+                            <a:rPr lang="es-ES">
+                              <a:solidFill>
+                                <a:srgbClr val="92D050"/>
+                              </a:solidFill>
+                              <a:latin typeface="Cambria Math" panose="02040503050406030204" pitchFamily="18" charset="0"/>
+                            </a:rPr>
+                            <m:t>x</m:t>
+                          </m:r>
+                          <m:r>
+                            <a:rPr lang="es-ES" i="1">
+                              <a:solidFill>
+                                <a:srgbClr val="92D050"/>
+                              </a:solidFill>
+                              <a:latin typeface="Cambria Math" panose="02040503050406030204" pitchFamily="18" charset="0"/>
+                            </a:rPr>
+                            <m:t> </m:t>
+                          </m:r>
+                        </m:sub>
+                        <m:sup>
+                          <m:r>
+                            <a:rPr lang="es-ES" i="1">
+                              <a:solidFill>
+                                <a:srgbClr val="92D050"/>
+                              </a:solidFill>
+                              <a:latin typeface="Cambria Math" panose="02040503050406030204" pitchFamily="18" charset="0"/>
+                            </a:rPr>
+                            <m:t>−1</m:t>
+                          </m:r>
+                        </m:sup>
+                      </m:sSubSup>
+                      <m:r>
+                        <a:rPr lang="es-ES" i="1">
+                          <a:solidFill>
+                            <a:srgbClr val="92D050"/>
+                          </a:solidFill>
+                          <a:latin typeface="Cambria Math" panose="02040503050406030204" pitchFamily="18" charset="0"/>
+                        </a:rPr>
+                        <m:t> </m:t>
+                      </m:r>
+                      <m:d>
+                        <m:dPr>
+                          <m:ctrlPr>
+                            <a:rPr lang="es-ES" i="1">
+                              <a:solidFill>
+                                <a:srgbClr val="92D050"/>
+                              </a:solidFill>
+                              <a:latin typeface="Cambria Math" panose="02040503050406030204" pitchFamily="18" charset="0"/>
+                            </a:rPr>
+                          </m:ctrlPr>
+                        </m:dPr>
+                        <m:e>
+                          <m:r>
+                            <a:rPr lang="es-ES" b="1">
+                              <a:solidFill>
+                                <a:srgbClr val="92D050"/>
+                              </a:solidFill>
+                              <a:latin typeface="Cambria Math" panose="02040503050406030204" pitchFamily="18" charset="0"/>
+                            </a:rPr>
+                            <m:t>𝐱</m:t>
+                          </m:r>
+                          <m:r>
+                            <a:rPr lang="es-ES" i="1">
+                              <a:solidFill>
+                                <a:srgbClr val="92D050"/>
+                              </a:solidFill>
+                              <a:latin typeface="Cambria Math" panose="02040503050406030204" pitchFamily="18" charset="0"/>
+                            </a:rPr>
+                            <m:t>−</m:t>
+                          </m:r>
+                          <m:sSub>
+                            <m:sSubPr>
+                              <m:ctrlPr>
+                                <a:rPr lang="es-ES" i="1">
+                                  <a:solidFill>
+                                    <a:srgbClr val="92D050"/>
+                                  </a:solidFill>
+                                  <a:latin typeface="Cambria Math" panose="02040503050406030204" pitchFamily="18" charset="0"/>
+                                </a:rPr>
+                              </m:ctrlPr>
+                            </m:sSubPr>
+                            <m:e>
+                              <m:r>
+                                <a:rPr lang="es-ES" b="1" i="1">
+                                  <a:solidFill>
+                                    <a:srgbClr val="92D050"/>
+                                  </a:solidFill>
+                                  <a:latin typeface="Cambria Math" panose="02040503050406030204" pitchFamily="18" charset="0"/>
+                                </a:rPr>
+                                <m:t>𝝁</m:t>
+                              </m:r>
+                            </m:e>
+                            <m:sub>
+                              <m:r>
+                                <m:rPr>
+                                  <m:sty m:val="p"/>
+                                </m:rPr>
+                                <a:rPr lang="es-ES">
+                                  <a:solidFill>
+                                    <a:srgbClr val="92D050"/>
+                                  </a:solidFill>
+                                  <a:latin typeface="Cambria Math" panose="02040503050406030204" pitchFamily="18" charset="0"/>
+                                </a:rPr>
+                                <m:t>x</m:t>
+                              </m:r>
+                            </m:sub>
+                          </m:sSub>
+                          <m:r>
+                            <a:rPr lang="es-ES" i="1">
+                              <a:solidFill>
+                                <a:srgbClr val="92D050"/>
+                              </a:solidFill>
+                              <a:latin typeface="Cambria Math" panose="02040503050406030204" pitchFamily="18" charset="0"/>
+                            </a:rPr>
+                            <m:t> </m:t>
+                          </m:r>
+                        </m:e>
+                      </m:d>
+                      <m:r>
+                        <a:rPr lang="es-ES" i="1">
+                          <a:solidFill>
+                            <a:srgbClr val="92D050"/>
+                          </a:solidFill>
+                          <a:latin typeface="Cambria Math" panose="02040503050406030204" pitchFamily="18" charset="0"/>
+                        </a:rPr>
+                        <m:t>=</m:t>
+                      </m:r>
+                      <m:r>
+                        <a:rPr lang="es-ES" i="1">
+                          <a:solidFill>
+                            <a:srgbClr val="92D050"/>
+                          </a:solidFill>
+                          <a:latin typeface="Cambria Math" panose="02040503050406030204" pitchFamily="18" charset="0"/>
+                        </a:rPr>
+                        <m:t>𝑐</m:t>
+                      </m:r>
+                    </m:oMath>
+                  </m:oMathPara>
+                </a14:m>
+                <a:endParaRPr lang="es-ES" i="1" dirty="0">
+                  <a:solidFill>
+                    <a:srgbClr val="92D050"/>
+                  </a:solidFill>
+                  <a:latin typeface="Cambria Math" panose="02040503050406030204" pitchFamily="18" charset="0"/>
+                </a:endParaRPr>
+              </a:p>
+              <a:p>
+                <a:pPr marL="0" indent="0" algn="ctr">
+                  <a:spcAft>
+                    <a:spcPts val="1800"/>
+                  </a:spcAft>
+                  <a:buNone/>
+                </a:pPr>
+                <a:endParaRPr lang="es-ES" dirty="0">
+                  <a:solidFill>
+                    <a:schemeClr val="bg1"/>
+                  </a:solidFill>
+                </a:endParaRPr>
+              </a:p>
+            </p:txBody>
+          </p:sp>
+        </mc:Choice>
+        <mc:Fallback>
+          <p:sp>
+            <p:nvSpPr>
+              <p:cNvPr id="5" name="Marcador de contenido 2"/>
+              <p:cNvSpPr txBox="1">
+                <a:spLocks noRot="1" noChangeAspect="1" noMove="1" noResize="1" noEditPoints="1" noAdjustHandles="1" noChangeArrowheads="1" noChangeShapeType="1" noTextEdit="1"/>
+              </p:cNvSpPr>
+              <p:nvPr/>
+            </p:nvSpPr>
+            <p:spPr>
+              <a:xfrm>
+                <a:off x="269021" y="1826366"/>
+                <a:ext cx="9404916" cy="4703158"/>
+              </a:xfrm>
+              <a:prstGeom prst="rect">
+                <a:avLst/>
+              </a:prstGeom>
+              <a:blipFill>
+                <a:blip r:embed="rId2"/>
+                <a:stretch>
+                  <a:fillRect l="-130" t="-519" r="-583"/>
+                </a:stretch>
+              </a:blipFill>
+            </p:spPr>
+            <p:txBody>
+              <a:bodyPr/>
+              <a:lstStyle/>
+              <a:p>
+                <a:r>
+                  <a:rPr lang="es-ES">
+                    <a:noFill/>
+                  </a:rPr>
+                  <a:t> </a:t>
+                </a:r>
+              </a:p>
+            </p:txBody>
+          </p:sp>
+        </mc:Fallback>
+      </mc:AlternateContent>
+    </p:spTree>
+    <p:extLst>
+      <p:ext uri="{BB962C8B-B14F-4D97-AF65-F5344CB8AC3E}">
+        <p14:creationId xmlns:p14="http://schemas.microsoft.com/office/powerpoint/2010/main" val="1530906056"/>
+      </p:ext>
+    </p:extLst>
+  </p:cSld>
+  <p:clrMapOvr>
+    <a:masterClrMapping/>
+  </p:clrMapOvr>
+</p:sld>
+</file>
+
+<file path=ppt/slides/slide6.xml><?xml version="1.0" encoding="utf-8"?>
+<p:sld xmlns:a="http://schemas.openxmlformats.org/drawingml/2006/main" xmlns:r="http://schemas.openxmlformats.org/officeDocument/2006/relationships" xmlns:p="http://schemas.openxmlformats.org/presentationml/2006/main">
+  <p:cSld>
+    <p:spTree>
+      <p:nvGrpSpPr>
+        <p:cNvPr id="1" name=""/>
+        <p:cNvGrpSpPr/>
+        <p:nvPr/>
+      </p:nvGrpSpPr>
+      <p:grpSpPr>
+        <a:xfrm>
+          <a:off x="0" y="0"/>
+          <a:ext cx="0" cy="0"/>
+          <a:chOff x="0" y="0"/>
+          <a:chExt cx="0" cy="0"/>
+        </a:xfrm>
+      </p:grpSpPr>
+      <p:sp>
+        <p:nvSpPr>
+          <p:cNvPr id="4" name="Título 3"/>
+          <p:cNvSpPr>
+            <a:spLocks noGrp="1"/>
+          </p:cNvSpPr>
+          <p:nvPr>
+            <p:ph type="title"/>
+          </p:nvPr>
+        </p:nvSpPr>
+        <p:spPr>
+          <a:xfrm>
+            <a:off x="404102" y="505566"/>
+            <a:ext cx="8240244" cy="1320800"/>
+          </a:xfrm>
+        </p:spPr>
+        <p:txBody>
+          <a:bodyPr>
+            <a:normAutofit/>
+          </a:bodyPr>
+          <a:lstStyle/>
+          <a:p>
+            <a:r>
+              <a:rPr lang="es-ES" dirty="0"/>
+              <a:t>Ecuación de los contornos</a:t>
+            </a:r>
+          </a:p>
+        </p:txBody>
+      </p:sp>
+      <mc:AlternateContent xmlns:mc="http://schemas.openxmlformats.org/markup-compatibility/2006">
+        <mc:Choice xmlns:a14="http://schemas.microsoft.com/office/drawing/2010/main" Requires="a14">
           <p:sp>
             <p:nvSpPr>
               <p:cNvPr id="5" name="Marcador de contenido 2"/>
@@ -11268,7 +14222,7 @@
                           <m:ctrlPr>
                             <a:rPr lang="es-ES" b="0" i="1" smtClean="0">
                               <a:solidFill>
-                                <a:schemeClr val="bg1"/>
+                                <a:srgbClr val="92D050"/>
                               </a:solidFill>
                               <a:latin typeface="Cambria Math" panose="02040503050406030204" pitchFamily="18" charset="0"/>
                             </a:rPr>
@@ -11280,7 +14234,7 @@
                               <m:ctrlPr>
                                 <a:rPr lang="es-ES" i="1">
                                   <a:solidFill>
-                                    <a:schemeClr val="bg1"/>
+                                    <a:srgbClr val="92D050"/>
                                   </a:solidFill>
                                   <a:latin typeface="Cambria Math" panose="02040503050406030204" pitchFamily="18" charset="0"/>
                                 </a:rPr>
@@ -11290,7 +14244,7 @@
                               <m:r>
                                 <a:rPr lang="es-ES" i="1">
                                   <a:solidFill>
-                                    <a:schemeClr val="bg1"/>
+                                    <a:srgbClr val="92D050"/>
                                   </a:solidFill>
                                   <a:latin typeface="Cambria Math" panose="02040503050406030204" pitchFamily="18" charset="0"/>
                                 </a:rPr>
@@ -11299,7 +14253,7 @@
                               <m:r>
                                 <a:rPr lang="es-ES" b="1" i="0">
                                   <a:solidFill>
-                                    <a:schemeClr val="bg1"/>
+                                    <a:srgbClr val="92D050"/>
                                   </a:solidFill>
                                   <a:latin typeface="Cambria Math" panose="02040503050406030204" pitchFamily="18" charset="0"/>
                                 </a:rPr>
@@ -11308,7 +14262,7 @@
                               <m:r>
                                 <a:rPr lang="es-ES" i="1">
                                   <a:solidFill>
-                                    <a:schemeClr val="bg1"/>
+                                    <a:srgbClr val="92D050"/>
                                   </a:solidFill>
                                   <a:latin typeface="Cambria Math" panose="02040503050406030204" pitchFamily="18" charset="0"/>
                                 </a:rPr>
@@ -11317,7 +14271,7 @@
                               <m:r>
                                 <a:rPr lang="es-ES" b="1" i="1">
                                   <a:solidFill>
-                                    <a:schemeClr val="bg1"/>
+                                    <a:srgbClr val="92D050"/>
                                   </a:solidFill>
                                   <a:latin typeface="Cambria Math" panose="02040503050406030204" pitchFamily="18" charset="0"/>
                                 </a:rPr>
@@ -11331,7 +14285,7 @@
                                 </m:rPr>
                                 <a:rPr lang="es-ES" i="0">
                                   <a:solidFill>
-                                    <a:schemeClr val="bg1"/>
+                                    <a:srgbClr val="92D050"/>
                                   </a:solidFill>
                                   <a:latin typeface="Cambria Math" panose="02040503050406030204" pitchFamily="18" charset="0"/>
                                 </a:rPr>
@@ -11342,7 +14296,7 @@
                           <m:r>
                             <a:rPr lang="es-ES" i="1">
                               <a:solidFill>
-                                <a:schemeClr val="bg1"/>
+                                <a:srgbClr val="92D050"/>
                               </a:solidFill>
                               <a:latin typeface="Cambria Math" panose="02040503050406030204" pitchFamily="18" charset="0"/>
                             </a:rPr>
@@ -11353,7 +14307,7 @@
                           <m:r>
                             <a:rPr lang="es-ES" b="0" i="1" smtClean="0">
                               <a:solidFill>
-                                <a:schemeClr val="bg1"/>
+                                <a:srgbClr val="92D050"/>
                               </a:solidFill>
                               <a:latin typeface="Cambria Math" panose="02040503050406030204" pitchFamily="18" charset="0"/>
                             </a:rPr>
@@ -11366,7 +14320,7 @@
                           <m:ctrlPr>
                             <a:rPr lang="es-ES" b="0" i="1" smtClean="0">
                               <a:solidFill>
-                                <a:schemeClr val="bg1"/>
+                                <a:srgbClr val="92D050"/>
                               </a:solidFill>
                               <a:latin typeface="Cambria Math" panose="02040503050406030204" pitchFamily="18" charset="0"/>
                             </a:rPr>
@@ -11376,7 +14330,7 @@
                           <m:r>
                             <a:rPr lang="es-ES" b="0" i="0" smtClean="0">
                               <a:solidFill>
-                                <a:schemeClr val="bg1"/>
+                                <a:srgbClr val="92D050"/>
                               </a:solidFill>
                               <a:latin typeface="Cambria Math" panose="02040503050406030204" pitchFamily="18" charset="0"/>
                             </a:rPr>
@@ -11388,7 +14342,7 @@
                             </m:rPr>
                             <a:rPr lang="es-ES" b="0" i="0" smtClean="0">
                               <a:solidFill>
-                                <a:schemeClr val="bg1"/>
+                                <a:srgbClr val="92D050"/>
                               </a:solidFill>
                               <a:latin typeface="Cambria Math" panose="02040503050406030204" pitchFamily="18" charset="0"/>
                             </a:rPr>
@@ -11402,7 +14356,7 @@
                             </m:rPr>
                             <a:rPr lang="es-ES" b="0" i="0" smtClean="0">
                               <a:solidFill>
-                                <a:schemeClr val="bg1"/>
+                                <a:srgbClr val="92D050"/>
                               </a:solidFill>
                               <a:latin typeface="Cambria Math" panose="02040503050406030204" pitchFamily="18" charset="0"/>
                             </a:rPr>
@@ -11411,7 +14365,7 @@
                           <m:r>
                             <a:rPr lang="es-ES" b="0" i="1" smtClean="0">
                               <a:solidFill>
-                                <a:schemeClr val="bg1"/>
+                                <a:srgbClr val="92D050"/>
                               </a:solidFill>
                               <a:latin typeface="Cambria Math" panose="02040503050406030204" pitchFamily="18" charset="0"/>
                             </a:rPr>
@@ -11422,7 +14376,7 @@
                           <m:r>
                             <a:rPr lang="es-ES" b="0" i="1" smtClean="0">
                               <a:solidFill>
-                                <a:schemeClr val="bg1"/>
+                                <a:srgbClr val="92D050"/>
                               </a:solidFill>
                               <a:latin typeface="Cambria Math" panose="02040503050406030204" pitchFamily="18" charset="0"/>
                             </a:rPr>
@@ -11433,7 +14387,7 @@
                       <m:r>
                         <a:rPr lang="es-ES" b="0" i="1" smtClean="0">
                           <a:solidFill>
-                            <a:schemeClr val="bg1"/>
+                            <a:srgbClr val="92D050"/>
                           </a:solidFill>
                           <a:latin typeface="Cambria Math" panose="02040503050406030204" pitchFamily="18" charset="0"/>
                         </a:rPr>
@@ -11444,7 +14398,7 @@
                           <m:ctrlPr>
                             <a:rPr lang="es-ES" b="0" i="1" smtClean="0">
                               <a:solidFill>
-                                <a:schemeClr val="bg1"/>
+                                <a:srgbClr val="92D050"/>
                               </a:solidFill>
                               <a:latin typeface="Cambria Math" panose="02040503050406030204" pitchFamily="18" charset="0"/>
                             </a:rPr>
@@ -11454,7 +14408,7 @@
                           <m:r>
                             <a:rPr lang="es-ES" b="1" i="0" smtClean="0">
                               <a:solidFill>
-                                <a:schemeClr val="bg1"/>
+                                <a:srgbClr val="92D050"/>
                               </a:solidFill>
                               <a:latin typeface="Cambria Math" panose="02040503050406030204" pitchFamily="18" charset="0"/>
                             </a:rPr>
@@ -11463,7 +14417,7 @@
                           <m:r>
                             <a:rPr lang="es-ES" b="0" i="1" smtClean="0">
                               <a:solidFill>
-                                <a:schemeClr val="bg1"/>
+                                <a:srgbClr val="92D050"/>
                               </a:solidFill>
                               <a:latin typeface="Cambria Math" panose="02040503050406030204" pitchFamily="18" charset="0"/>
                             </a:rPr>
@@ -11474,7 +14428,7 @@
                               <m:ctrlPr>
                                 <a:rPr lang="es-ES" b="0" i="1" smtClean="0">
                                   <a:solidFill>
-                                    <a:schemeClr val="bg1"/>
+                                    <a:srgbClr val="92D050"/>
                                   </a:solidFill>
                                   <a:latin typeface="Cambria Math" panose="02040503050406030204" pitchFamily="18" charset="0"/>
                                 </a:rPr>
@@ -11484,7 +14438,7 @@
                               <m:r>
                                 <a:rPr lang="es-ES" b="1" i="1" smtClean="0">
                                   <a:solidFill>
-                                    <a:schemeClr val="bg1"/>
+                                    <a:srgbClr val="92D050"/>
                                   </a:solidFill>
                                   <a:latin typeface="Cambria Math" panose="02040503050406030204" pitchFamily="18" charset="0"/>
                                 </a:rPr>
@@ -11498,7 +14452,7 @@
                                 </m:rPr>
                                 <a:rPr lang="es-ES" b="0" i="0" smtClean="0">
                                   <a:solidFill>
-                                    <a:schemeClr val="bg1"/>
+                                    <a:srgbClr val="92D050"/>
                                   </a:solidFill>
                                   <a:latin typeface="Cambria Math" panose="02040503050406030204" pitchFamily="18" charset="0"/>
                                 </a:rPr>
@@ -11509,7 +14463,7 @@
                           <m:r>
                             <a:rPr lang="es-ES" b="0" i="1" smtClean="0">
                               <a:solidFill>
-                                <a:schemeClr val="bg1"/>
+                                <a:srgbClr val="92D050"/>
                               </a:solidFill>
                               <a:latin typeface="Cambria Math" panose="02040503050406030204" pitchFamily="18" charset="0"/>
                             </a:rPr>
@@ -11520,7 +14474,7 @@
                       <m:r>
                         <a:rPr lang="es-ES" b="0" i="1" smtClean="0">
                           <a:solidFill>
-                            <a:schemeClr val="bg1"/>
+                            <a:srgbClr val="92D050"/>
                           </a:solidFill>
                           <a:latin typeface="Cambria Math" panose="02040503050406030204" pitchFamily="18" charset="0"/>
                         </a:rPr>
@@ -11529,7 +14483,7 @@
                       <m:r>
                         <a:rPr lang="es-ES" b="0" i="1" smtClean="0">
                           <a:solidFill>
-                            <a:schemeClr val="bg1"/>
+                            <a:srgbClr val="92D050"/>
                           </a:solidFill>
                           <a:latin typeface="Cambria Math" panose="02040503050406030204" pitchFamily="18" charset="0"/>
                         </a:rPr>
@@ -11540,7 +14494,7 @@
                 </a14:m>
                 <a:endParaRPr lang="es-ES" i="1" dirty="0">
                   <a:solidFill>
-                    <a:schemeClr val="bg1"/>
+                    <a:srgbClr val="92D050"/>
                   </a:solidFill>
                   <a:latin typeface="Cambria Math" panose="02040503050406030204" pitchFamily="18" charset="0"/>
                 </a:endParaRPr>
@@ -11760,7 +14714,7 @@
             </p:txBody>
           </p:sp>
         </mc:Choice>
-        <mc:Fallback xmlns="">
+        <mc:Fallback>
           <p:sp>
             <p:nvSpPr>
               <p:cNvPr id="5" name="Marcador de contenido 2"/>
@@ -11802,7 +14756,7 @@
     </p:spTree>
     <p:extLst>
       <p:ext uri="{BB962C8B-B14F-4D97-AF65-F5344CB8AC3E}">
-        <p14:creationId xmlns:p14="http://schemas.microsoft.com/office/powerpoint/2010/main" val="1530906056"/>
+        <p14:creationId xmlns:p14="http://schemas.microsoft.com/office/powerpoint/2010/main" val="2650753465"/>
       </p:ext>
     </p:extLst>
   </p:cSld>
@@ -11812,7 +14766,7 @@
 </p:sld>
 </file>
 
-<file path=ppt/slides/slide6.xml><?xml version="1.0" encoding="utf-8"?>
+<file path=ppt/slides/slide7.xml><?xml version="1.0" encoding="utf-8"?>
 <p:sld xmlns:a="http://schemas.openxmlformats.org/drawingml/2006/main" xmlns:r="http://schemas.openxmlformats.org/officeDocument/2006/relationships" xmlns:p="http://schemas.openxmlformats.org/presentationml/2006/main">
   <p:cSld>
     <p:spTree>
@@ -12213,7 +15167,7 @@
 </p:sld>
 </file>
 
-<file path=ppt/slides/slide7.xml><?xml version="1.0" encoding="utf-8"?>
+<file path=ppt/slides/slide8.xml><?xml version="1.0" encoding="utf-8"?>
 <p:sld xmlns:a="http://schemas.openxmlformats.org/drawingml/2006/main" xmlns:r="http://schemas.openxmlformats.org/officeDocument/2006/relationships" xmlns:p="http://schemas.openxmlformats.org/presentationml/2006/main">
   <p:cSld>
     <p:spTree>
@@ -12614,7 +15568,7 @@
 </p:sld>
 </file>
 
-<file path=ppt/slides/slide8.xml><?xml version="1.0" encoding="utf-8"?>
+<file path=ppt/slides/slide9.xml><?xml version="1.0" encoding="utf-8"?>
 <p:sld xmlns:a="http://schemas.openxmlformats.org/drawingml/2006/main" xmlns:r="http://schemas.openxmlformats.org/officeDocument/2006/relationships" xmlns:p="http://schemas.openxmlformats.org/presentationml/2006/main">
   <p:cSld>
     <p:spTree>
@@ -13006,408 +15960,6 @@
     <p:extLst>
       <p:ext uri="{BB962C8B-B14F-4D97-AF65-F5344CB8AC3E}">
         <p14:creationId xmlns:p14="http://schemas.microsoft.com/office/powerpoint/2010/main" val="1064050667"/>
-      </p:ext>
-    </p:extLst>
-  </p:cSld>
-  <p:clrMapOvr>
-    <a:masterClrMapping/>
-  </p:clrMapOvr>
-</p:sld>
-</file>
-
-<file path=ppt/slides/slide9.xml><?xml version="1.0" encoding="utf-8"?>
-<p:sld xmlns:a="http://schemas.openxmlformats.org/drawingml/2006/main" xmlns:r="http://schemas.openxmlformats.org/officeDocument/2006/relationships" xmlns:p="http://schemas.openxmlformats.org/presentationml/2006/main">
-  <p:cSld>
-    <p:spTree>
-      <p:nvGrpSpPr>
-        <p:cNvPr id="1" name=""/>
-        <p:cNvGrpSpPr/>
-        <p:nvPr/>
-      </p:nvGrpSpPr>
-      <p:grpSpPr>
-        <a:xfrm>
-          <a:off x="0" y="0"/>
-          <a:ext cx="0" cy="0"/>
-          <a:chOff x="0" y="0"/>
-          <a:chExt cx="0" cy="0"/>
-        </a:xfrm>
-      </p:grpSpPr>
-      <p:sp>
-        <p:nvSpPr>
-          <p:cNvPr id="5" name="Marcador de contenido 2"/>
-          <p:cNvSpPr txBox="1">
-            <a:spLocks/>
-          </p:cNvSpPr>
-          <p:nvPr/>
-        </p:nvSpPr>
-        <p:spPr>
-          <a:xfrm>
-            <a:off x="496381" y="1649276"/>
-            <a:ext cx="9121638" cy="4703158"/>
-          </a:xfrm>
-          <a:prstGeom prst="rect">
-            <a:avLst/>
-          </a:prstGeom>
-        </p:spPr>
-        <p:txBody>
-          <a:bodyPr vert="horz" lIns="91440" tIns="45720" rIns="91440" bIns="45720" rtlCol="0">
-            <a:normAutofit/>
-          </a:bodyPr>
-          <a:lstStyle>
-            <a:lvl1pPr marL="342900" indent="-342900" algn="l" defTabSz="457200" rtl="0" eaLnBrk="1" latinLnBrk="0" hangingPunct="1">
-              <a:spcBef>
-                <a:spcPts val="1000"/>
-              </a:spcBef>
-              <a:spcAft>
-                <a:spcPts val="0"/>
-              </a:spcAft>
-              <a:buClr>
-                <a:schemeClr val="accent1"/>
-              </a:buClr>
-              <a:buSzPct val="80000"/>
-              <a:buFont typeface="Wingdings 3" charset="2"/>
-              <a:buChar char=""/>
-              <a:defRPr sz="1800" kern="1200">
-                <a:solidFill>
-                  <a:schemeClr val="tx1">
-                    <a:lumMod val="75000"/>
-                    <a:lumOff val="25000"/>
-                  </a:schemeClr>
-                </a:solidFill>
-                <a:latin typeface="+mn-lt"/>
-                <a:ea typeface="+mn-ea"/>
-                <a:cs typeface="+mn-cs"/>
-              </a:defRPr>
-            </a:lvl1pPr>
-            <a:lvl2pPr marL="742950" indent="-285750" algn="l" defTabSz="457200" rtl="0" eaLnBrk="1" latinLnBrk="0" hangingPunct="1">
-              <a:spcBef>
-                <a:spcPts val="1000"/>
-              </a:spcBef>
-              <a:spcAft>
-                <a:spcPts val="0"/>
-              </a:spcAft>
-              <a:buClr>
-                <a:schemeClr val="accent1"/>
-              </a:buClr>
-              <a:buSzPct val="80000"/>
-              <a:buFont typeface="Wingdings 3" charset="2"/>
-              <a:buChar char=""/>
-              <a:defRPr sz="1600" kern="1200">
-                <a:solidFill>
-                  <a:schemeClr val="tx1">
-                    <a:lumMod val="75000"/>
-                    <a:lumOff val="25000"/>
-                  </a:schemeClr>
-                </a:solidFill>
-                <a:latin typeface="+mn-lt"/>
-                <a:ea typeface="+mn-ea"/>
-                <a:cs typeface="+mn-cs"/>
-              </a:defRPr>
-            </a:lvl2pPr>
-            <a:lvl3pPr marL="1143000" indent="-228600" algn="l" defTabSz="457200" rtl="0" eaLnBrk="1" latinLnBrk="0" hangingPunct="1">
-              <a:spcBef>
-                <a:spcPts val="1000"/>
-              </a:spcBef>
-              <a:spcAft>
-                <a:spcPts val="0"/>
-              </a:spcAft>
-              <a:buClr>
-                <a:schemeClr val="accent1"/>
-              </a:buClr>
-              <a:buSzPct val="80000"/>
-              <a:buFont typeface="Wingdings 3" charset="2"/>
-              <a:buChar char=""/>
-              <a:defRPr sz="1400" kern="1200">
-                <a:solidFill>
-                  <a:schemeClr val="tx1">
-                    <a:lumMod val="75000"/>
-                    <a:lumOff val="25000"/>
-                  </a:schemeClr>
-                </a:solidFill>
-                <a:latin typeface="+mn-lt"/>
-                <a:ea typeface="+mn-ea"/>
-                <a:cs typeface="+mn-cs"/>
-              </a:defRPr>
-            </a:lvl3pPr>
-            <a:lvl4pPr marL="1600200" indent="-228600" algn="l" defTabSz="457200" rtl="0" eaLnBrk="1" latinLnBrk="0" hangingPunct="1">
-              <a:spcBef>
-                <a:spcPts val="1000"/>
-              </a:spcBef>
-              <a:spcAft>
-                <a:spcPts val="0"/>
-              </a:spcAft>
-              <a:buClr>
-                <a:schemeClr val="accent1"/>
-              </a:buClr>
-              <a:buSzPct val="80000"/>
-              <a:buFont typeface="Wingdings 3" charset="2"/>
-              <a:buChar char=""/>
-              <a:defRPr sz="1200" kern="1200">
-                <a:solidFill>
-                  <a:schemeClr val="tx1">
-                    <a:lumMod val="75000"/>
-                    <a:lumOff val="25000"/>
-                  </a:schemeClr>
-                </a:solidFill>
-                <a:latin typeface="+mn-lt"/>
-                <a:ea typeface="+mn-ea"/>
-                <a:cs typeface="+mn-cs"/>
-              </a:defRPr>
-            </a:lvl4pPr>
-            <a:lvl5pPr marL="2057400" indent="-228600" algn="l" defTabSz="457200" rtl="0" eaLnBrk="1" latinLnBrk="0" hangingPunct="1">
-              <a:spcBef>
-                <a:spcPts val="1000"/>
-              </a:spcBef>
-              <a:spcAft>
-                <a:spcPts val="0"/>
-              </a:spcAft>
-              <a:buClr>
-                <a:schemeClr val="accent1"/>
-              </a:buClr>
-              <a:buSzPct val="80000"/>
-              <a:buFont typeface="Wingdings 3" charset="2"/>
-              <a:buChar char=""/>
-              <a:defRPr sz="1200" kern="1200">
-                <a:solidFill>
-                  <a:schemeClr val="tx1">
-                    <a:lumMod val="75000"/>
-                    <a:lumOff val="25000"/>
-                  </a:schemeClr>
-                </a:solidFill>
-                <a:latin typeface="+mn-lt"/>
-                <a:ea typeface="+mn-ea"/>
-                <a:cs typeface="+mn-cs"/>
-              </a:defRPr>
-            </a:lvl5pPr>
-            <a:lvl6pPr marL="2514600" indent="-228600" algn="l" defTabSz="457200" rtl="0" eaLnBrk="1" latinLnBrk="0" hangingPunct="1">
-              <a:spcBef>
-                <a:spcPts val="1000"/>
-              </a:spcBef>
-              <a:spcAft>
-                <a:spcPts val="0"/>
-              </a:spcAft>
-              <a:buClr>
-                <a:schemeClr val="accent1"/>
-              </a:buClr>
-              <a:buSzPct val="80000"/>
-              <a:buFont typeface="Wingdings 3" charset="2"/>
-              <a:buChar char=""/>
-              <a:defRPr sz="1200" kern="1200">
-                <a:solidFill>
-                  <a:schemeClr val="tx1">
-                    <a:lumMod val="75000"/>
-                    <a:lumOff val="25000"/>
-                  </a:schemeClr>
-                </a:solidFill>
-                <a:latin typeface="+mn-lt"/>
-                <a:ea typeface="+mn-ea"/>
-                <a:cs typeface="+mn-cs"/>
-              </a:defRPr>
-            </a:lvl6pPr>
-            <a:lvl7pPr marL="2971800" indent="-228600" algn="l" defTabSz="457200" rtl="0" eaLnBrk="1" latinLnBrk="0" hangingPunct="1">
-              <a:spcBef>
-                <a:spcPts val="1000"/>
-              </a:spcBef>
-              <a:spcAft>
-                <a:spcPts val="0"/>
-              </a:spcAft>
-              <a:buClr>
-                <a:schemeClr val="accent1"/>
-              </a:buClr>
-              <a:buSzPct val="80000"/>
-              <a:buFont typeface="Wingdings 3" charset="2"/>
-              <a:buChar char=""/>
-              <a:defRPr sz="1200" kern="1200">
-                <a:solidFill>
-                  <a:schemeClr val="tx1">
-                    <a:lumMod val="75000"/>
-                    <a:lumOff val="25000"/>
-                  </a:schemeClr>
-                </a:solidFill>
-                <a:latin typeface="+mn-lt"/>
-                <a:ea typeface="+mn-ea"/>
-                <a:cs typeface="+mn-cs"/>
-              </a:defRPr>
-            </a:lvl7pPr>
-            <a:lvl8pPr marL="3429000" indent="-228600" algn="l" defTabSz="457200" rtl="0" eaLnBrk="1" latinLnBrk="0" hangingPunct="1">
-              <a:spcBef>
-                <a:spcPts val="1000"/>
-              </a:spcBef>
-              <a:spcAft>
-                <a:spcPts val="0"/>
-              </a:spcAft>
-              <a:buClr>
-                <a:schemeClr val="accent1"/>
-              </a:buClr>
-              <a:buSzPct val="80000"/>
-              <a:buFont typeface="Wingdings 3" charset="2"/>
-              <a:buChar char=""/>
-              <a:defRPr sz="1200" kern="1200">
-                <a:solidFill>
-                  <a:schemeClr val="tx1">
-                    <a:lumMod val="75000"/>
-                    <a:lumOff val="25000"/>
-                  </a:schemeClr>
-                </a:solidFill>
-                <a:latin typeface="+mn-lt"/>
-                <a:ea typeface="+mn-ea"/>
-                <a:cs typeface="+mn-cs"/>
-              </a:defRPr>
-            </a:lvl8pPr>
-            <a:lvl9pPr marL="3886200" indent="-228600" algn="l" defTabSz="457200" rtl="0" eaLnBrk="1" latinLnBrk="0" hangingPunct="1">
-              <a:spcBef>
-                <a:spcPts val="1000"/>
-              </a:spcBef>
-              <a:spcAft>
-                <a:spcPts val="0"/>
-              </a:spcAft>
-              <a:buClr>
-                <a:schemeClr val="accent1"/>
-              </a:buClr>
-              <a:buSzPct val="80000"/>
-              <a:buFont typeface="Wingdings 3" charset="2"/>
-              <a:buChar char=""/>
-              <a:defRPr sz="1200" kern="1200">
-                <a:solidFill>
-                  <a:schemeClr val="tx1">
-                    <a:lumMod val="75000"/>
-                    <a:lumOff val="25000"/>
-                  </a:schemeClr>
-                </a:solidFill>
-                <a:latin typeface="+mn-lt"/>
-                <a:ea typeface="+mn-ea"/>
-                <a:cs typeface="+mn-cs"/>
-              </a:defRPr>
-            </a:lvl9pPr>
-          </a:lstStyle>
-          <a:p>
-            <a:pPr algn="just">
-              <a:spcAft>
-                <a:spcPts val="1800"/>
-              </a:spcAft>
-            </a:pPr>
-            <a:r>
-              <a:rPr lang="es-ES" dirty="0">
-                <a:solidFill>
-                  <a:schemeClr val="bg1"/>
-                </a:solidFill>
-              </a:rPr>
-              <a:t>Si el contorno se estima con la </a:t>
-            </a:r>
-            <a:r>
-              <a:rPr lang="es-ES" dirty="0">
-                <a:solidFill>
-                  <a:srgbClr val="92D050"/>
-                </a:solidFill>
-              </a:rPr>
-              <a:t>densidad estimada </a:t>
-            </a:r>
-            <a:r>
-              <a:rPr lang="es-ES" dirty="0">
-                <a:solidFill>
-                  <a:schemeClr val="bg1"/>
-                </a:solidFill>
-              </a:rPr>
-              <a:t>quedaría:</a:t>
-            </a:r>
-          </a:p>
-          <a:p>
-            <a:pPr algn="just">
-              <a:spcAft>
-                <a:spcPts val="1800"/>
-              </a:spcAft>
-            </a:pPr>
-            <a:endParaRPr lang="es-ES" sz="1700" b="0" dirty="0"/>
-          </a:p>
-          <a:p>
-            <a:pPr marL="0" indent="0" algn="ctr">
-              <a:spcAft>
-                <a:spcPts val="1800"/>
-              </a:spcAft>
-              <a:buNone/>
-            </a:pPr>
-            <a:endParaRPr lang="es-ES" sz="2000" dirty="0"/>
-          </a:p>
-          <a:p>
-            <a:pPr marL="0" indent="0" algn="just">
-              <a:spcAft>
-                <a:spcPts val="1800"/>
-              </a:spcAft>
-              <a:buNone/>
-            </a:pPr>
-            <a:endParaRPr lang="es-ES" sz="1600" dirty="0"/>
-          </a:p>
-        </p:txBody>
-      </p:sp>
-      <p:sp>
-        <p:nvSpPr>
-          <p:cNvPr id="6" name="Título 3">
-            <a:extLst>
-              <a:ext uri="{FF2B5EF4-FFF2-40B4-BE49-F238E27FC236}">
-                <a16:creationId xmlns:a16="http://schemas.microsoft.com/office/drawing/2014/main" id="{BF1C2B5D-F887-4869-8F99-9931BEC5681C}"/>
-              </a:ext>
-            </a:extLst>
-          </p:cNvPr>
-          <p:cNvSpPr>
-            <a:spLocks noGrp="1"/>
-          </p:cNvSpPr>
-          <p:nvPr>
-            <p:ph type="title"/>
-          </p:nvPr>
-        </p:nvSpPr>
-        <p:spPr>
-          <a:xfrm>
-            <a:off x="404102" y="505566"/>
-            <a:ext cx="8240244" cy="1320800"/>
-          </a:xfrm>
-        </p:spPr>
-        <p:txBody>
-          <a:bodyPr>
-            <a:normAutofit/>
-          </a:bodyPr>
-          <a:lstStyle/>
-          <a:p>
-            <a:r>
-              <a:rPr lang="es-ES" dirty="0"/>
-              <a:t>Caso bivariante</a:t>
-            </a:r>
-          </a:p>
-        </p:txBody>
-      </p:sp>
-      <p:pic>
-        <p:nvPicPr>
-          <p:cNvPr id="3" name="Imagen 2">
-            <a:extLst>
-              <a:ext uri="{FF2B5EF4-FFF2-40B4-BE49-F238E27FC236}">
-                <a16:creationId xmlns:a16="http://schemas.microsoft.com/office/drawing/2014/main" id="{77789714-3800-4B43-9204-DB0AF3B0A884}"/>
-              </a:ext>
-            </a:extLst>
-          </p:cNvPr>
-          <p:cNvPicPr>
-            <a:picLocks noChangeAspect="1"/>
-          </p:cNvPicPr>
-          <p:nvPr/>
-        </p:nvPicPr>
-        <p:blipFill>
-          <a:blip r:embed="rId2"/>
-          <a:stretch>
-            <a:fillRect/>
-          </a:stretch>
-        </p:blipFill>
-        <p:spPr>
-          <a:xfrm>
-            <a:off x="2161861" y="2258093"/>
-            <a:ext cx="5790678" cy="4094341"/>
-          </a:xfrm>
-          <a:prstGeom prst="rect">
-            <a:avLst/>
-          </a:prstGeom>
-        </p:spPr>
-      </p:pic>
-    </p:spTree>
-    <p:extLst>
-      <p:ext uri="{BB962C8B-B14F-4D97-AF65-F5344CB8AC3E}">
-        <p14:creationId xmlns:p14="http://schemas.microsoft.com/office/powerpoint/2010/main" val="637509184"/>
       </p:ext>
     </p:extLst>
   </p:cSld>

--- a/Seccion 3 Distribución multivariante/Diapositivas/3.2 Curvas de nivel o contornos.pptx
+++ b/Seccion 3 Distribución multivariante/Diapositivas/3.2 Curvas de nivel o contornos.pptx
@@ -271,7 +271,7 @@
             <a:fld id="{B61BEF0D-F0BB-DE4B-95CE-6DB70DBA9567}" type="datetimeFigureOut">
               <a:rPr lang="en-US" smtClean="0"/>
               <a:pPr/>
-              <a:t>12/20/2019</a:t>
+              <a:t>3/26/2020</a:t>
             </a:fld>
             <a:endParaRPr lang="en-US" dirty="0"/>
           </a:p>
@@ -470,7 +470,7 @@
           <a:p>
             <a:fld id="{55C6B4A9-1611-4792-9094-5F34BCA07E0B}" type="datetimeFigureOut">
               <a:rPr lang="en-US" smtClean="0"/>
-              <a:t>12/20/2019</a:t>
+              <a:t>3/26/2020</a:t>
             </a:fld>
             <a:endParaRPr lang="en-US" dirty="0"/>
           </a:p>
@@ -679,7 +679,7 @@
             <a:fld id="{B61BEF0D-F0BB-DE4B-95CE-6DB70DBA9567}" type="datetimeFigureOut">
               <a:rPr lang="en-US" smtClean="0"/>
               <a:pPr/>
-              <a:t>12/20/2019</a:t>
+              <a:t>3/26/2020</a:t>
             </a:fld>
             <a:endParaRPr lang="en-US" dirty="0"/>
           </a:p>
@@ -1499,7 +1499,7 @@
             <a:fld id="{B61BEF0D-F0BB-DE4B-95CE-6DB70DBA9567}" type="datetimeFigureOut">
               <a:rPr lang="en-US" smtClean="0"/>
               <a:pPr/>
-              <a:t>12/20/2019</a:t>
+              <a:t>3/26/2020</a:t>
             </a:fld>
             <a:endParaRPr lang="en-US" dirty="0"/>
           </a:p>
@@ -1671,7 +1671,7 @@
             <a:fld id="{B61BEF0D-F0BB-DE4B-95CE-6DB70DBA9567}" type="datetimeFigureOut">
               <a:rPr lang="en-US" smtClean="0"/>
               <a:pPr/>
-              <a:t>12/20/2019</a:t>
+              <a:t>3/26/2020</a:t>
             </a:fld>
             <a:endParaRPr lang="en-US" dirty="0"/>
           </a:p>
@@ -1920,7 +1920,7 @@
             <a:fld id="{B61BEF0D-F0BB-DE4B-95CE-6DB70DBA9567}" type="datetimeFigureOut">
               <a:rPr lang="en-US" smtClean="0"/>
               <a:pPr/>
-              <a:t>12/20/2019</a:t>
+              <a:t>3/26/2020</a:t>
             </a:fld>
             <a:endParaRPr lang="en-US" dirty="0"/>
           </a:p>
@@ -2153,7 +2153,7 @@
           <a:p>
             <a:fld id="{EB712588-04B1-427B-82EE-E8DB90309F08}" type="datetimeFigureOut">
               <a:rPr lang="en-US" smtClean="0"/>
-              <a:t>12/20/2019</a:t>
+              <a:t>3/26/2020</a:t>
             </a:fld>
             <a:endParaRPr lang="en-US" dirty="0"/>
           </a:p>
@@ -2528,7 +2528,7 @@
             <a:fld id="{B61BEF0D-F0BB-DE4B-95CE-6DB70DBA9567}" type="datetimeFigureOut">
               <a:rPr lang="en-US" smtClean="0"/>
               <a:pPr/>
-              <a:t>12/20/2019</a:t>
+              <a:t>3/26/2020</a:t>
             </a:fld>
             <a:endParaRPr lang="en-US" dirty="0"/>
           </a:p>
@@ -2653,7 +2653,7 @@
             <a:fld id="{B61BEF0D-F0BB-DE4B-95CE-6DB70DBA9567}" type="datetimeFigureOut">
               <a:rPr lang="en-US" smtClean="0"/>
               <a:pPr/>
-              <a:t>12/20/2019</a:t>
+              <a:t>3/26/2020</a:t>
             </a:fld>
             <a:endParaRPr lang="en-US" dirty="0"/>
           </a:p>
@@ -2750,7 +2750,7 @@
             <a:fld id="{B61BEF0D-F0BB-DE4B-95CE-6DB70DBA9567}" type="datetimeFigureOut">
               <a:rPr lang="en-US" smtClean="0"/>
               <a:pPr/>
-              <a:t>12/20/2019</a:t>
+              <a:t>3/26/2020</a:t>
             </a:fld>
             <a:endParaRPr lang="en-US" dirty="0"/>
           </a:p>
@@ -3006,7 +3006,7 @@
           <a:p>
             <a:fld id="{42A54C80-263E-416B-A8E0-580EDEADCBDC}" type="datetimeFigureOut">
               <a:rPr lang="en-US" smtClean="0"/>
-              <a:t>12/20/2019</a:t>
+              <a:t>3/26/2020</a:t>
             </a:fld>
             <a:endParaRPr lang="en-US" dirty="0"/>
           </a:p>
@@ -3193,7 +3193,7 @@
             <a:fld id="{B61BEF0D-F0BB-DE4B-95CE-6DB70DBA9567}" type="datetimeFigureOut">
               <a:rPr lang="en-US" smtClean="0"/>
               <a:pPr/>
-              <a:t>12/20/2019</a:t>
+              <a:t>3/26/2020</a:t>
             </a:fld>
             <a:endParaRPr lang="en-US" dirty="0"/>
           </a:p>
@@ -3513,7 +3513,7 @@
             <a:fld id="{B61BEF0D-F0BB-DE4B-95CE-6DB70DBA9567}" type="datetimeFigureOut">
               <a:rPr lang="en-US" smtClean="0"/>
               <a:pPr/>
-              <a:t>12/20/2019</a:t>
+              <a:t>3/26/2020</a:t>
             </a:fld>
             <a:endParaRPr lang="en-US" dirty="0"/>
           </a:p>
@@ -3723,7 +3723,7 @@
             <a:fld id="{B61BEF0D-F0BB-DE4B-95CE-6DB70DBA9567}" type="datetimeFigureOut">
               <a:rPr lang="en-US" smtClean="0"/>
               <a:pPr/>
-              <a:t>12/20/2019</a:t>
+              <a:t>3/26/2020</a:t>
             </a:fld>
             <a:endParaRPr lang="en-US" dirty="0"/>
           </a:p>
@@ -4039,7 +4039,7 @@
             <a:fld id="{B61BEF0D-F0BB-DE4B-95CE-6DB70DBA9567}" type="datetimeFigureOut">
               <a:rPr lang="en-US" smtClean="0"/>
               <a:pPr/>
-              <a:t>12/20/2019</a:t>
+              <a:t>3/26/2020</a:t>
             </a:fld>
             <a:endParaRPr lang="en-US" dirty="0"/>
           </a:p>
@@ -4374,7 +4374,7 @@
             <a:fld id="{B61BEF0D-F0BB-DE4B-95CE-6DB70DBA9567}" type="datetimeFigureOut">
               <a:rPr lang="en-US" smtClean="0"/>
               <a:pPr/>
-              <a:t>12/20/2019</a:t>
+              <a:t>3/26/2020</a:t>
             </a:fld>
             <a:endParaRPr lang="en-US" dirty="0"/>
           </a:p>
@@ -4690,7 +4690,7 @@
             <a:fld id="{B61BEF0D-F0BB-DE4B-95CE-6DB70DBA9567}" type="datetimeFigureOut">
               <a:rPr lang="en-US" smtClean="0"/>
               <a:pPr/>
-              <a:t>12/20/2019</a:t>
+              <a:t>3/26/2020</a:t>
             </a:fld>
             <a:endParaRPr lang="en-US" dirty="0"/>
           </a:p>
@@ -5085,7 +5085,7 @@
             <a:fld id="{B61BEF0D-F0BB-DE4B-95CE-6DB70DBA9567}" type="datetimeFigureOut">
               <a:rPr lang="en-US" smtClean="0"/>
               <a:pPr/>
-              <a:t>12/20/2019</a:t>
+              <a:t>3/26/2020</a:t>
             </a:fld>
             <a:endParaRPr lang="en-US" dirty="0"/>
           </a:p>
@@ -5256,7 +5256,7 @@
           <a:p>
             <a:fld id="{55C6B4A9-1611-4792-9094-5F34BCA07E0B}" type="datetimeFigureOut">
               <a:rPr lang="en-US" smtClean="0"/>
-              <a:t>12/20/2019</a:t>
+              <a:t>3/26/2020</a:t>
             </a:fld>
             <a:endParaRPr lang="en-US" dirty="0"/>
           </a:p>
@@ -5437,7 +5437,7 @@
             <a:fld id="{B61BEF0D-F0BB-DE4B-95CE-6DB70DBA9567}" type="datetimeFigureOut">
               <a:rPr lang="en-US" smtClean="0"/>
               <a:pPr/>
-              <a:t>12/20/2019</a:t>
+              <a:t>3/26/2020</a:t>
             </a:fld>
             <a:endParaRPr lang="en-US" dirty="0"/>
           </a:p>
@@ -5702,7 +5702,7 @@
             <a:fld id="{B61BEF0D-F0BB-DE4B-95CE-6DB70DBA9567}" type="datetimeFigureOut">
               <a:rPr lang="en-US" smtClean="0"/>
               <a:pPr/>
-              <a:t>12/20/2019</a:t>
+              <a:t>3/26/2020</a:t>
             </a:fld>
             <a:endParaRPr lang="en-US" dirty="0"/>
           </a:p>
@@ -5968,7 +5968,7 @@
           <a:p>
             <a:fld id="{EB712588-04B1-427B-82EE-E8DB90309F08}" type="datetimeFigureOut">
               <a:rPr lang="en-US" smtClean="0"/>
-              <a:t>12/20/2019</a:t>
+              <a:t>3/26/2020</a:t>
             </a:fld>
             <a:endParaRPr lang="en-US" dirty="0"/>
           </a:p>
@@ -6381,7 +6381,7 @@
             <a:fld id="{B61BEF0D-F0BB-DE4B-95CE-6DB70DBA9567}" type="datetimeFigureOut">
               <a:rPr lang="en-US" smtClean="0"/>
               <a:pPr/>
-              <a:t>12/20/2019</a:t>
+              <a:t>3/26/2020</a:t>
             </a:fld>
             <a:endParaRPr lang="en-US" dirty="0"/>
           </a:p>
@@ -6524,7 +6524,7 @@
             <a:fld id="{B61BEF0D-F0BB-DE4B-95CE-6DB70DBA9567}" type="datetimeFigureOut">
               <a:rPr lang="en-US" smtClean="0"/>
               <a:pPr/>
-              <a:t>12/20/2019</a:t>
+              <a:t>3/26/2020</a:t>
             </a:fld>
             <a:endParaRPr lang="en-US" dirty="0"/>
           </a:p>
@@ -6639,7 +6639,7 @@
             <a:fld id="{B61BEF0D-F0BB-DE4B-95CE-6DB70DBA9567}" type="datetimeFigureOut">
               <a:rPr lang="en-US" smtClean="0"/>
               <a:pPr/>
-              <a:t>12/20/2019</a:t>
+              <a:t>3/26/2020</a:t>
             </a:fld>
             <a:endParaRPr lang="en-US" dirty="0"/>
           </a:p>
@@ -6951,7 +6951,7 @@
           <a:p>
             <a:fld id="{42A54C80-263E-416B-A8E0-580EDEADCBDC}" type="datetimeFigureOut">
               <a:rPr lang="en-US" smtClean="0"/>
-              <a:t>12/20/2019</a:t>
+              <a:t>3/26/2020</a:t>
             </a:fld>
             <a:endParaRPr lang="en-US" dirty="0"/>
           </a:p>
@@ -7240,7 +7240,7 @@
             <a:fld id="{B61BEF0D-F0BB-DE4B-95CE-6DB70DBA9567}" type="datetimeFigureOut">
               <a:rPr lang="en-US" smtClean="0"/>
               <a:pPr/>
-              <a:t>12/20/2019</a:t>
+              <a:t>3/26/2020</a:t>
             </a:fld>
             <a:endParaRPr lang="en-US" dirty="0"/>
           </a:p>
@@ -7486,7 +7486,7 @@
             <a:fld id="{B61BEF0D-F0BB-DE4B-95CE-6DB70DBA9567}" type="datetimeFigureOut">
               <a:rPr lang="en-US" smtClean="0"/>
               <a:pPr/>
-              <a:t>12/20/2019</a:t>
+              <a:t>3/26/2020</a:t>
             </a:fld>
             <a:endParaRPr lang="en-US" dirty="0"/>
           </a:p>
@@ -8574,7 +8574,7 @@
             <a:fld id="{B61BEF0D-F0BB-DE4B-95CE-6DB70DBA9567}" type="datetimeFigureOut">
               <a:rPr lang="en-US" smtClean="0"/>
               <a:pPr/>
-              <a:t>12/20/2019</a:t>
+              <a:t>3/26/2020</a:t>
             </a:fld>
             <a:endParaRPr lang="en-US" dirty="0"/>
           </a:p>
@@ -11688,7 +11688,7 @@
                         <m:sSub>
                           <m:sSubPr>
                             <m:ctrlPr>
-                              <a:rPr lang="es-ES" b="1" i="0" smtClean="0">
+                              <a:rPr lang="es-ES" b="1" i="1" smtClean="0">
                                 <a:solidFill>
                                   <a:schemeClr val="bg1"/>
                                 </a:solidFill>
@@ -11781,7 +11781,7 @@
                       <a:schemeClr val="bg1"/>
                     </a:solidFill>
                   </a:rPr>
-                  <a:t> es Normal bivariante con vector de medias </a:t>
+                  <a:t> es Normal multivariante con vector de medias </a:t>
                 </a:r>
                 <a14:m>
                   <m:oMath xmlns:m="http://schemas.openxmlformats.org/officeDocument/2006/math">
@@ -11837,7 +11837,7 @@
                     <m:sSub>
                       <m:sSubPr>
                         <m:ctrlPr>
-                          <a:rPr lang="es-ES" b="0" i="0" smtClean="0">
+                          <a:rPr lang="es-ES" b="0" i="1" smtClean="0">
                             <a:solidFill>
                               <a:schemeClr val="bg1"/>
                             </a:solidFill>
@@ -12091,7 +12091,7 @@
                                       <m:sSub>
                                         <m:sSubPr>
                                           <m:ctrlPr>
-                                            <a:rPr lang="es-ES" b="0" i="0" smtClean="0">
+                                            <a:rPr lang="es-ES" b="0" i="1" smtClean="0">
                                               <a:solidFill>
                                                 <a:schemeClr val="bg1"/>
                                               </a:solidFill>
@@ -12327,7 +12327,7 @@
                               <m:sSubSup>
                                 <m:sSubSupPr>
                                   <m:ctrlPr>
-                                    <a:rPr lang="es-ES" b="0" i="0" smtClean="0">
+                                    <a:rPr lang="es-ES" b="0" i="1" smtClean="0">
                                       <a:solidFill>
                                         <a:schemeClr val="bg1"/>
                                       </a:solidFill>
@@ -13263,40 +13263,38 @@
                             </a:rPr>
                             <m:t>−2</m:t>
                           </m:r>
-                          <m:r>
-                            <a:rPr lang="es-ES" i="1">
-                              <a:solidFill>
-                                <a:srgbClr val="FFC000"/>
-                              </a:solidFill>
-                              <a:latin typeface="Cambria Math" panose="02040503050406030204" pitchFamily="18" charset="0"/>
-                            </a:rPr>
-                            <m:t>𝑘</m:t>
-                          </m:r>
-                          <m:sSup>
-                            <m:sSupPr>
+                          <m:func>
+                            <m:funcPr>
                               <m:ctrlPr>
-                                <a:rPr lang="es-ES" i="1">
+                                <a:rPr lang="es-ES" b="0" i="1" smtClean="0">
                                   <a:solidFill>
                                     <a:srgbClr val="FFC000"/>
                                   </a:solidFill>
                                   <a:latin typeface="Cambria Math" panose="02040503050406030204" pitchFamily="18" charset="0"/>
                                 </a:rPr>
                               </m:ctrlPr>
-                            </m:sSupPr>
-                            <m:e>
+                            </m:funcPr>
+                            <m:fName>
                               <m:r>
-                                <a:rPr lang="es-ES" i="1">
+                                <m:rPr>
+                                  <m:sty m:val="p"/>
+                                </m:rPr>
+                                <a:rPr lang="es-ES" b="0" i="0" smtClean="0">
                                   <a:solidFill>
                                     <a:srgbClr val="FFC000"/>
                                   </a:solidFill>
                                   <a:latin typeface="Cambria Math" panose="02040503050406030204" pitchFamily="18" charset="0"/>
                                 </a:rPr>
-                                <m:t> </m:t>
+                                <m:t>log</m:t>
                               </m:r>
+                            </m:fName>
+                            <m:e>
                               <m:d>
                                 <m:dPr>
+                                  <m:begChr m:val="{"/>
+                                  <m:endChr m:val="}"/>
                                   <m:ctrlPr>
-                                    <a:rPr lang="es-ES" i="1">
+                                    <a:rPr lang="es-ES" b="0" i="1" smtClean="0">
                                       <a:solidFill>
                                         <a:srgbClr val="FFC000"/>
                                       </a:solidFill>
@@ -13312,98 +13310,10 @@
                                       </a:solidFill>
                                       <a:latin typeface="Cambria Math" panose="02040503050406030204" pitchFamily="18" charset="0"/>
                                     </a:rPr>
-                                    <m:t>2 </m:t>
+                                    <m:t>𝑘</m:t>
                                   </m:r>
-                                  <m:r>
-                                    <a:rPr lang="es-ES" i="1">
-                                      <a:solidFill>
-                                        <a:srgbClr val="FFC000"/>
-                                      </a:solidFill>
-                                      <a:latin typeface="Cambria Math" panose="02040503050406030204" pitchFamily="18" charset="0"/>
-                                    </a:rPr>
-                                    <m:t>𝜋</m:t>
-                                  </m:r>
-                                </m:e>
-                              </m:d>
-                            </m:e>
-                            <m:sup>
-                              <m:f>
-                                <m:fPr>
-                                  <m:type m:val="lin"/>
-                                  <m:ctrlPr>
-                                    <a:rPr lang="es-ES" i="1">
-                                      <a:solidFill>
-                                        <a:srgbClr val="FFC000"/>
-                                      </a:solidFill>
-                                      <a:latin typeface="Cambria Math" panose="02040503050406030204" pitchFamily="18" charset="0"/>
-                                    </a:rPr>
-                                  </m:ctrlPr>
-                                </m:fPr>
-                                <m:num>
-                                  <m:r>
-                                    <a:rPr lang="es-ES" i="1">
-                                      <a:solidFill>
-                                        <a:srgbClr val="FFC000"/>
-                                      </a:solidFill>
-                                      <a:latin typeface="Cambria Math" panose="02040503050406030204" pitchFamily="18" charset="0"/>
-                                    </a:rPr>
-                                    <m:t>𝑝</m:t>
-                                  </m:r>
-                                </m:num>
-                                <m:den>
-                                  <m:r>
-                                    <a:rPr lang="es-ES" i="1">
-                                      <a:solidFill>
-                                        <a:srgbClr val="FFC000"/>
-                                      </a:solidFill>
-                                      <a:latin typeface="Cambria Math" panose="02040503050406030204" pitchFamily="18" charset="0"/>
-                                    </a:rPr>
-                                    <m:t>2</m:t>
-                                  </m:r>
-                                </m:den>
-                              </m:f>
-                            </m:sup>
-                          </m:sSup>
-                          <m:sSup>
-                            <m:sSupPr>
-                              <m:ctrlPr>
-                                <a:rPr lang="es-ES" i="1">
-                                  <a:solidFill>
-                                    <a:srgbClr val="FFC000"/>
-                                  </a:solidFill>
-                                  <a:latin typeface="Cambria Math" panose="02040503050406030204" pitchFamily="18" charset="0"/>
-                                </a:rPr>
-                              </m:ctrlPr>
-                            </m:sSupPr>
-                            <m:e>
-                              <m:func>
-                                <m:funcPr>
-                                  <m:ctrlPr>
-                                    <a:rPr lang="es-ES" i="1">
-                                      <a:solidFill>
-                                        <a:srgbClr val="FFC000"/>
-                                      </a:solidFill>
-                                      <a:latin typeface="Cambria Math" panose="02040503050406030204" pitchFamily="18" charset="0"/>
-                                    </a:rPr>
-                                  </m:ctrlPr>
-                                </m:funcPr>
-                                <m:fName>
-                                  <m:r>
-                                    <m:rPr>
-                                      <m:sty m:val="p"/>
-                                    </m:rPr>
-                                    <a:rPr lang="es-ES">
-                                      <a:solidFill>
-                                        <a:srgbClr val="FFC000"/>
-                                      </a:solidFill>
-                                      <a:latin typeface="Cambria Math" panose="02040503050406030204" pitchFamily="18" charset="0"/>
-                                    </a:rPr>
-                                    <m:t>det</m:t>
-                                  </m:r>
-                                </m:fName>
-                                <m:e>
-                                  <m:d>
-                                    <m:dPr>
+                                  <m:sSup>
+                                    <m:sSupPr>
                                       <m:ctrlPr>
                                         <a:rPr lang="es-ES" i="1">
                                           <a:solidFill>
@@ -13412,10 +13322,19 @@
                                           <a:latin typeface="Cambria Math" panose="02040503050406030204" pitchFamily="18" charset="0"/>
                                         </a:rPr>
                                       </m:ctrlPr>
-                                    </m:dPr>
+                                    </m:sSupPr>
                                     <m:e>
-                                      <m:sSub>
-                                        <m:sSubPr>
+                                      <m:r>
+                                        <a:rPr lang="es-ES" i="1">
+                                          <a:solidFill>
+                                            <a:srgbClr val="FFC000"/>
+                                          </a:solidFill>
+                                          <a:latin typeface="Cambria Math" panose="02040503050406030204" pitchFamily="18" charset="0"/>
+                                        </a:rPr>
+                                        <m:t> </m:t>
+                                      </m:r>
+                                      <m:d>
+                                        <m:dPr>
                                           <m:ctrlPr>
                                             <a:rPr lang="es-ES" i="1">
                                               <a:solidFill>
@@ -13424,8 +13343,91 @@
                                               <a:latin typeface="Cambria Math" panose="02040503050406030204" pitchFamily="18" charset="0"/>
                                             </a:rPr>
                                           </m:ctrlPr>
-                                        </m:sSubPr>
+                                        </m:dPr>
                                         <m:e>
+                                          <m:r>
+                                            <a:rPr lang="es-ES" i="1">
+                                              <a:solidFill>
+                                                <a:srgbClr val="FFC000"/>
+                                              </a:solidFill>
+                                              <a:latin typeface="Cambria Math" panose="02040503050406030204" pitchFamily="18" charset="0"/>
+                                            </a:rPr>
+                                            <m:t>2 </m:t>
+                                          </m:r>
+                                          <m:r>
+                                            <a:rPr lang="es-ES" i="1">
+                                              <a:solidFill>
+                                                <a:srgbClr val="FFC000"/>
+                                              </a:solidFill>
+                                              <a:latin typeface="Cambria Math" panose="02040503050406030204" pitchFamily="18" charset="0"/>
+                                            </a:rPr>
+                                            <m:t>𝜋</m:t>
+                                          </m:r>
+                                        </m:e>
+                                      </m:d>
+                                    </m:e>
+                                    <m:sup>
+                                      <m:f>
+                                        <m:fPr>
+                                          <m:type m:val="lin"/>
+                                          <m:ctrlPr>
+                                            <a:rPr lang="es-ES" i="1">
+                                              <a:solidFill>
+                                                <a:srgbClr val="FFC000"/>
+                                              </a:solidFill>
+                                              <a:latin typeface="Cambria Math" panose="02040503050406030204" pitchFamily="18" charset="0"/>
+                                            </a:rPr>
+                                          </m:ctrlPr>
+                                        </m:fPr>
+                                        <m:num>
+                                          <m:r>
+                                            <a:rPr lang="es-ES" i="1">
+                                              <a:solidFill>
+                                                <a:srgbClr val="FFC000"/>
+                                              </a:solidFill>
+                                              <a:latin typeface="Cambria Math" panose="02040503050406030204" pitchFamily="18" charset="0"/>
+                                            </a:rPr>
+                                            <m:t>𝑝</m:t>
+                                          </m:r>
+                                        </m:num>
+                                        <m:den>
+                                          <m:r>
+                                            <a:rPr lang="es-ES" i="1">
+                                              <a:solidFill>
+                                                <a:srgbClr val="FFC000"/>
+                                              </a:solidFill>
+                                              <a:latin typeface="Cambria Math" panose="02040503050406030204" pitchFamily="18" charset="0"/>
+                                            </a:rPr>
+                                            <m:t>2</m:t>
+                                          </m:r>
+                                        </m:den>
+                                      </m:f>
+                                    </m:sup>
+                                  </m:sSup>
+                                  <m:sSup>
+                                    <m:sSupPr>
+                                      <m:ctrlPr>
+                                        <a:rPr lang="es-ES" i="1">
+                                          <a:solidFill>
+                                            <a:srgbClr val="FFC000"/>
+                                          </a:solidFill>
+                                          <a:latin typeface="Cambria Math" panose="02040503050406030204" pitchFamily="18" charset="0"/>
+                                        </a:rPr>
+                                      </m:ctrlPr>
+                                    </m:sSupPr>
+                                    <m:e>
+                                      <m:func>
+                                        <m:funcPr>
+                                          <m:ctrlPr>
+                                            <a:rPr lang="es-ES" i="1">
+                                              <a:solidFill>
+                                                <a:srgbClr val="FFC000"/>
+                                              </a:solidFill>
+                                              <a:latin typeface="Cambria Math" panose="02040503050406030204" pitchFamily="18" charset="0"/>
+                                            </a:rPr>
+                                          </m:ctrlPr>
+                                        </m:funcPr>
+                                        <m:fName>
                                           <m:r>
                                             <m:rPr>
                                               <m:sty m:val="p"/>
@@ -13436,67 +13438,109 @@
                                               </a:solidFill>
                                               <a:latin typeface="Cambria Math" panose="02040503050406030204" pitchFamily="18" charset="0"/>
                                             </a:rPr>
-                                            <m:t>Σ</m:t>
+                                            <m:t>det</m:t>
                                           </m:r>
+                                        </m:fName>
+                                        <m:e>
+                                          <m:d>
+                                            <m:dPr>
+                                              <m:ctrlPr>
+                                                <a:rPr lang="es-ES" i="1">
+                                                  <a:solidFill>
+                                                    <a:srgbClr val="FFC000"/>
+                                                  </a:solidFill>
+                                                  <a:latin typeface="Cambria Math" panose="02040503050406030204" pitchFamily="18" charset="0"/>
+                                                </a:rPr>
+                                              </m:ctrlPr>
+                                            </m:dPr>
+                                            <m:e>
+                                              <m:sSub>
+                                                <m:sSubPr>
+                                                  <m:ctrlPr>
+                                                    <a:rPr lang="es-ES" i="1">
+                                                      <a:solidFill>
+                                                        <a:srgbClr val="FFC000"/>
+                                                      </a:solidFill>
+                                                      <a:latin typeface="Cambria Math" panose="02040503050406030204" pitchFamily="18" charset="0"/>
+                                                    </a:rPr>
+                                                  </m:ctrlPr>
+                                                </m:sSubPr>
+                                                <m:e>
+                                                  <m:r>
+                                                    <m:rPr>
+                                                      <m:sty m:val="p"/>
+                                                    </m:rPr>
+                                                    <a:rPr lang="es-ES">
+                                                      <a:solidFill>
+                                                        <a:srgbClr val="FFC000"/>
+                                                      </a:solidFill>
+                                                      <a:latin typeface="Cambria Math" panose="02040503050406030204" pitchFamily="18" charset="0"/>
+                                                    </a:rPr>
+                                                    <m:t>Σ</m:t>
+                                                  </m:r>
+                                                </m:e>
+                                                <m:sub>
+                                                  <m:r>
+                                                    <m:rPr>
+                                                      <m:sty m:val="p"/>
+                                                    </m:rPr>
+                                                    <a:rPr lang="es-ES">
+                                                      <a:solidFill>
+                                                        <a:srgbClr val="FFC000"/>
+                                                      </a:solidFill>
+                                                      <a:latin typeface="Cambria Math" panose="02040503050406030204" pitchFamily="18" charset="0"/>
+                                                    </a:rPr>
+                                                    <m:t>x</m:t>
+                                                  </m:r>
+                                                </m:sub>
+                                              </m:sSub>
+                                            </m:e>
+                                          </m:d>
                                         </m:e>
-                                        <m:sub>
-                                          <m:r>
-                                            <m:rPr>
-                                              <m:sty m:val="p"/>
-                                            </m:rPr>
-                                            <a:rPr lang="es-ES">
+                                      </m:func>
+                                    </m:e>
+                                    <m:sup>
+                                      <m:f>
+                                        <m:fPr>
+                                          <m:type m:val="lin"/>
+                                          <m:ctrlPr>
+                                            <a:rPr lang="es-ES" i="1">
                                               <a:solidFill>
                                                 <a:srgbClr val="FFC000"/>
                                               </a:solidFill>
                                               <a:latin typeface="Cambria Math" panose="02040503050406030204" pitchFamily="18" charset="0"/>
                                             </a:rPr>
-                                            <m:t>x</m:t>
+                                          </m:ctrlPr>
+                                        </m:fPr>
+                                        <m:num>
+                                          <m:r>
+                                            <a:rPr lang="es-ES" i="1">
+                                              <a:solidFill>
+                                                <a:srgbClr val="FFC000"/>
+                                              </a:solidFill>
+                                              <a:latin typeface="Cambria Math" panose="02040503050406030204" pitchFamily="18" charset="0"/>
+                                            </a:rPr>
+                                            <m:t>1</m:t>
                                           </m:r>
-                                        </m:sub>
-                                      </m:sSub>
-                                    </m:e>
-                                  </m:d>
+                                        </m:num>
+                                        <m:den>
+                                          <m:r>
+                                            <a:rPr lang="es-ES" i="1">
+                                              <a:solidFill>
+                                                <a:srgbClr val="FFC000"/>
+                                              </a:solidFill>
+                                              <a:latin typeface="Cambria Math" panose="02040503050406030204" pitchFamily="18" charset="0"/>
+                                            </a:rPr>
+                                            <m:t>2</m:t>
+                                          </m:r>
+                                        </m:den>
+                                      </m:f>
+                                    </m:sup>
+                                  </m:sSup>
                                 </m:e>
-                              </m:func>
+                              </m:d>
                             </m:e>
-                            <m:sup>
-                              <m:f>
-                                <m:fPr>
-                                  <m:type m:val="lin"/>
-                                  <m:ctrlPr>
-                                    <a:rPr lang="es-ES" i="1">
-                                      <a:solidFill>
-                                        <a:srgbClr val="FFC000"/>
-                                      </a:solidFill>
-                                      <a:latin typeface="Cambria Math" panose="02040503050406030204" pitchFamily="18" charset="0"/>
-                                    </a:rPr>
-                                  </m:ctrlPr>
-                                </m:fPr>
-                                <m:num>
-                                  <m:r>
-                                    <a:rPr lang="es-ES" i="1">
-                                      <a:solidFill>
-                                        <a:srgbClr val="FFC000"/>
-                                      </a:solidFill>
-                                      <a:latin typeface="Cambria Math" panose="02040503050406030204" pitchFamily="18" charset="0"/>
-                                    </a:rPr>
-                                    <m:t>1</m:t>
-                                  </m:r>
-                                </m:num>
-                                <m:den>
-                                  <m:r>
-                                    <a:rPr lang="es-ES" i="1">
-                                      <a:solidFill>
-                                        <a:srgbClr val="FFC000"/>
-                                      </a:solidFill>
-                                      <a:latin typeface="Cambria Math" panose="02040503050406030204" pitchFamily="18" charset="0"/>
-                                    </a:rPr>
-                                    <m:t>2</m:t>
-                                  </m:r>
-                                </m:den>
-                              </m:f>
-                            </m:sup>
-                          </m:sSup>
+                          </m:func>
                           <m:r>
                             <a:rPr lang="es-ES" b="0" i="1" smtClean="0">
                               <a:solidFill>
@@ -13938,8 +13982,8 @@
           </a:p>
         </p:txBody>
       </p:sp>
-      <mc:AlternateContent xmlns:mc="http://schemas.openxmlformats.org/markup-compatibility/2006">
-        <mc:Choice xmlns:a14="http://schemas.microsoft.com/office/drawing/2010/main" Requires="a14">
+      <mc:AlternateContent xmlns:mc="http://schemas.openxmlformats.org/markup-compatibility/2006" xmlns:a14="http://schemas.microsoft.com/office/drawing/2010/main">
+        <mc:Choice Requires="a14">
           <p:sp>
             <p:nvSpPr>
               <p:cNvPr id="5" name="Marcador de contenido 2"/>
@@ -14714,7 +14758,7 @@
             </p:txBody>
           </p:sp>
         </mc:Choice>
-        <mc:Fallback>
+        <mc:Fallback xmlns="">
           <p:sp>
             <p:nvSpPr>
               <p:cNvPr id="5" name="Marcador de contenido 2"/>
